--- a/docs/AWS Architecture.pptx
+++ b/docs/AWS Architecture.pptx
@@ -6,6 +6,7 @@
   </p:sldMasterIdLst>
   <p:sldIdLst>
     <p:sldId id="256" r:id="rId2"/>
+    <p:sldId id="257" r:id="rId3"/>
   </p:sldIdLst>
   <p:sldSz cx="12192000" cy="6858000"/>
   <p:notesSz cx="6858000" cy="9144000"/>
@@ -104,6 +105,11 @@
       </a:defRPr>
     </a:lvl9pPr>
   </p:defaultTextStyle>
+  <p:extLst>
+    <p:ext uri="{EFAFB233-063F-42B5-8137-9DF3F51BA10A}">
+      <p15:sldGuideLst xmlns:p15="http://schemas.microsoft.com/office/powerpoint/2012/main"/>
+    </p:ext>
+  </p:extLst>
 </p:presentation>
 </file>
 
@@ -254,7 +260,7 @@
           <a:p>
             <a:fld id="{1146E094-9F61-4A76-9547-BCE7D099E45D}" type="datetimeFigureOut">
               <a:rPr lang="en-US" smtClean="0"/>
-              <a:t>9/24/2023</a:t>
+              <a:t>9/29/2023</a:t>
             </a:fld>
             <a:endParaRPr lang="en-US"/>
           </a:p>
@@ -452,7 +458,7 @@
           <a:p>
             <a:fld id="{1146E094-9F61-4A76-9547-BCE7D099E45D}" type="datetimeFigureOut">
               <a:rPr lang="en-US" smtClean="0"/>
-              <a:t>9/24/2023</a:t>
+              <a:t>9/29/2023</a:t>
             </a:fld>
             <a:endParaRPr lang="en-US"/>
           </a:p>
@@ -660,7 +666,7 @@
           <a:p>
             <a:fld id="{1146E094-9F61-4A76-9547-BCE7D099E45D}" type="datetimeFigureOut">
               <a:rPr lang="en-US" smtClean="0"/>
-              <a:t>9/24/2023</a:t>
+              <a:t>9/29/2023</a:t>
             </a:fld>
             <a:endParaRPr lang="en-US"/>
           </a:p>
@@ -858,7 +864,7 @@
           <a:p>
             <a:fld id="{1146E094-9F61-4A76-9547-BCE7D099E45D}" type="datetimeFigureOut">
               <a:rPr lang="en-US" smtClean="0"/>
-              <a:t>9/24/2023</a:t>
+              <a:t>9/29/2023</a:t>
             </a:fld>
             <a:endParaRPr lang="en-US"/>
           </a:p>
@@ -1133,7 +1139,7 @@
           <a:p>
             <a:fld id="{1146E094-9F61-4A76-9547-BCE7D099E45D}" type="datetimeFigureOut">
               <a:rPr lang="en-US" smtClean="0"/>
-              <a:t>9/24/2023</a:t>
+              <a:t>9/29/2023</a:t>
             </a:fld>
             <a:endParaRPr lang="en-US"/>
           </a:p>
@@ -1398,7 +1404,7 @@
           <a:p>
             <a:fld id="{1146E094-9F61-4A76-9547-BCE7D099E45D}" type="datetimeFigureOut">
               <a:rPr lang="en-US" smtClean="0"/>
-              <a:t>9/24/2023</a:t>
+              <a:t>9/29/2023</a:t>
             </a:fld>
             <a:endParaRPr lang="en-US"/>
           </a:p>
@@ -1810,7 +1816,7 @@
           <a:p>
             <a:fld id="{1146E094-9F61-4A76-9547-BCE7D099E45D}" type="datetimeFigureOut">
               <a:rPr lang="en-US" smtClean="0"/>
-              <a:t>9/24/2023</a:t>
+              <a:t>9/29/2023</a:t>
             </a:fld>
             <a:endParaRPr lang="en-US"/>
           </a:p>
@@ -1951,7 +1957,7 @@
           <a:p>
             <a:fld id="{1146E094-9F61-4A76-9547-BCE7D099E45D}" type="datetimeFigureOut">
               <a:rPr lang="en-US" smtClean="0"/>
-              <a:t>9/24/2023</a:t>
+              <a:t>9/29/2023</a:t>
             </a:fld>
             <a:endParaRPr lang="en-US"/>
           </a:p>
@@ -2064,7 +2070,7 @@
           <a:p>
             <a:fld id="{1146E094-9F61-4A76-9547-BCE7D099E45D}" type="datetimeFigureOut">
               <a:rPr lang="en-US" smtClean="0"/>
-              <a:t>9/24/2023</a:t>
+              <a:t>9/29/2023</a:t>
             </a:fld>
             <a:endParaRPr lang="en-US"/>
           </a:p>
@@ -2375,7 +2381,7 @@
           <a:p>
             <a:fld id="{1146E094-9F61-4A76-9547-BCE7D099E45D}" type="datetimeFigureOut">
               <a:rPr lang="en-US" smtClean="0"/>
-              <a:t>9/24/2023</a:t>
+              <a:t>9/29/2023</a:t>
             </a:fld>
             <a:endParaRPr lang="en-US"/>
           </a:p>
@@ -2663,7 +2669,7 @@
           <a:p>
             <a:fld id="{1146E094-9F61-4A76-9547-BCE7D099E45D}" type="datetimeFigureOut">
               <a:rPr lang="en-US" smtClean="0"/>
-              <a:t>9/24/2023</a:t>
+              <a:t>9/29/2023</a:t>
             </a:fld>
             <a:endParaRPr lang="en-US"/>
           </a:p>
@@ -2904,7 +2910,7 @@
           <a:p>
             <a:fld id="{1146E094-9F61-4A76-9547-BCE7D099E45D}" type="datetimeFigureOut">
               <a:rPr lang="en-US" smtClean="0"/>
-              <a:t>9/24/2023</a:t>
+              <a:t>9/29/2023</a:t>
             </a:fld>
             <a:endParaRPr lang="en-US"/>
           </a:p>
@@ -4493,6 +4499,2780 @@
 </p:sld>
 </file>
 
+<file path=ppt/slides/slide2.xml><?xml version="1.0" encoding="utf-8"?>
+<p:sld xmlns:a="http://schemas.openxmlformats.org/drawingml/2006/main" xmlns:r="http://schemas.openxmlformats.org/officeDocument/2006/relationships" xmlns:p="http://schemas.openxmlformats.org/presentationml/2006/main">
+  <p:cSld>
+    <p:spTree>
+      <p:nvGrpSpPr>
+        <p:cNvPr id="1" name=""/>
+        <p:cNvGrpSpPr/>
+        <p:nvPr/>
+      </p:nvGrpSpPr>
+      <p:grpSpPr>
+        <a:xfrm>
+          <a:off x="0" y="0"/>
+          <a:ext cx="0" cy="0"/>
+          <a:chOff x="0" y="0"/>
+          <a:chExt cx="0" cy="0"/>
+        </a:xfrm>
+      </p:grpSpPr>
+      <p:sp>
+        <p:nvSpPr>
+          <p:cNvPr id="4" name="Rectangle: Rounded Corners 3">
+            <a:extLst>
+              <a:ext uri="{FF2B5EF4-FFF2-40B4-BE49-F238E27FC236}">
+                <a16:creationId xmlns:a16="http://schemas.microsoft.com/office/drawing/2014/main" id="{597AD0A5-F3F5-2A28-8F2C-85CEC33F7370}"/>
+              </a:ext>
+            </a:extLst>
+          </p:cNvPr>
+          <p:cNvSpPr/>
+          <p:nvPr/>
+        </p:nvSpPr>
+        <p:spPr>
+          <a:xfrm>
+            <a:off x="655532" y="3412328"/>
+            <a:ext cx="634403" cy="322728"/>
+          </a:xfrm>
+          <a:prstGeom prst="roundRect">
+            <a:avLst/>
+          </a:prstGeom>
+        </p:spPr>
+        <p:style>
+          <a:lnRef idx="2">
+            <a:schemeClr val="accent3"/>
+          </a:lnRef>
+          <a:fillRef idx="1">
+            <a:schemeClr val="lt1"/>
+          </a:fillRef>
+          <a:effectRef idx="0">
+            <a:schemeClr val="accent3"/>
+          </a:effectRef>
+          <a:fontRef idx="minor">
+            <a:schemeClr val="dk1"/>
+          </a:fontRef>
+        </p:style>
+        <p:txBody>
+          <a:bodyPr rtlCol="0" anchor="ctr"/>
+          <a:lstStyle/>
+          <a:p>
+            <a:pPr algn="ctr"/>
+            <a:r>
+              <a:rPr lang="en-US" sz="1050" dirty="0"/>
+              <a:t>ALB</a:t>
+            </a:r>
+          </a:p>
+        </p:txBody>
+      </p:sp>
+      <p:sp>
+        <p:nvSpPr>
+          <p:cNvPr id="5" name="Rectangle: Rounded Corners 4">
+            <a:extLst>
+              <a:ext uri="{FF2B5EF4-FFF2-40B4-BE49-F238E27FC236}">
+                <a16:creationId xmlns:a16="http://schemas.microsoft.com/office/drawing/2014/main" id="{E981F30C-041F-F5BE-E174-ADC68FA8F29E}"/>
+              </a:ext>
+            </a:extLst>
+          </p:cNvPr>
+          <p:cNvSpPr/>
+          <p:nvPr/>
+        </p:nvSpPr>
+        <p:spPr>
+          <a:xfrm>
+            <a:off x="6090977" y="3443704"/>
+            <a:ext cx="609244" cy="322728"/>
+          </a:xfrm>
+          <a:prstGeom prst="roundRect">
+            <a:avLst/>
+          </a:prstGeom>
+        </p:spPr>
+        <p:style>
+          <a:lnRef idx="2">
+            <a:schemeClr val="accent3"/>
+          </a:lnRef>
+          <a:fillRef idx="1">
+            <a:schemeClr val="lt1"/>
+          </a:fillRef>
+          <a:effectRef idx="0">
+            <a:schemeClr val="accent3"/>
+          </a:effectRef>
+          <a:fontRef idx="minor">
+            <a:schemeClr val="dk1"/>
+          </a:fontRef>
+        </p:style>
+        <p:txBody>
+          <a:bodyPr rtlCol="0" anchor="ctr"/>
+          <a:lstStyle/>
+          <a:p>
+            <a:pPr algn="ctr"/>
+            <a:r>
+              <a:rPr lang="en-US" sz="1050" dirty="0"/>
+              <a:t>ASG</a:t>
+            </a:r>
+          </a:p>
+        </p:txBody>
+      </p:sp>
+      <p:sp>
+        <p:nvSpPr>
+          <p:cNvPr id="10" name="Rectangle: Rounded Corners 9">
+            <a:extLst>
+              <a:ext uri="{FF2B5EF4-FFF2-40B4-BE49-F238E27FC236}">
+                <a16:creationId xmlns:a16="http://schemas.microsoft.com/office/drawing/2014/main" id="{F37F67AF-E78F-E08B-F440-516A119F685E}"/>
+              </a:ext>
+            </a:extLst>
+          </p:cNvPr>
+          <p:cNvSpPr/>
+          <p:nvPr/>
+        </p:nvSpPr>
+        <p:spPr>
+          <a:xfrm>
+            <a:off x="5962486" y="1726610"/>
+            <a:ext cx="1210236" cy="322728"/>
+          </a:xfrm>
+          <a:prstGeom prst="roundRect">
+            <a:avLst/>
+          </a:prstGeom>
+        </p:spPr>
+        <p:style>
+          <a:lnRef idx="2">
+            <a:schemeClr val="accent3"/>
+          </a:lnRef>
+          <a:fillRef idx="1">
+            <a:schemeClr val="lt1"/>
+          </a:fillRef>
+          <a:effectRef idx="0">
+            <a:schemeClr val="accent3"/>
+          </a:effectRef>
+          <a:fontRef idx="minor">
+            <a:schemeClr val="dk1"/>
+          </a:fontRef>
+        </p:style>
+        <p:txBody>
+          <a:bodyPr rtlCol="0" anchor="ctr"/>
+          <a:lstStyle/>
+          <a:p>
+            <a:pPr algn="ctr"/>
+            <a:r>
+              <a:rPr lang="en-US" sz="1050" dirty="0"/>
+              <a:t>EC2-1</a:t>
+            </a:r>
+          </a:p>
+        </p:txBody>
+      </p:sp>
+      <p:grpSp>
+        <p:nvGrpSpPr>
+          <p:cNvPr id="13" name="Group 12">
+            <a:extLst>
+              <a:ext uri="{FF2B5EF4-FFF2-40B4-BE49-F238E27FC236}">
+                <a16:creationId xmlns:a16="http://schemas.microsoft.com/office/drawing/2014/main" id="{20FC406E-966C-46EB-EE1E-58675CA3B3AA}"/>
+              </a:ext>
+            </a:extLst>
+          </p:cNvPr>
+          <p:cNvGrpSpPr/>
+          <p:nvPr/>
+        </p:nvGrpSpPr>
+        <p:grpSpPr>
+          <a:xfrm>
+            <a:off x="5658402" y="1162288"/>
+            <a:ext cx="2098907" cy="1990163"/>
+            <a:chOff x="3523129" y="3182471"/>
+            <a:chExt cx="4025153" cy="1990163"/>
+          </a:xfrm>
+          <a:noFill/>
+        </p:grpSpPr>
+        <p:sp>
+          <p:nvSpPr>
+            <p:cNvPr id="11" name="Rectangle 10">
+              <a:extLst>
+                <a:ext uri="{FF2B5EF4-FFF2-40B4-BE49-F238E27FC236}">
+                  <a16:creationId xmlns:a16="http://schemas.microsoft.com/office/drawing/2014/main" id="{02F603C9-E387-1F53-AFD9-C39999E7B1A2}"/>
+                </a:ext>
+              </a:extLst>
+            </p:cNvPr>
+            <p:cNvSpPr/>
+            <p:nvPr/>
+          </p:nvSpPr>
+          <p:spPr>
+            <a:xfrm>
+              <a:off x="3523129" y="3182471"/>
+              <a:ext cx="4025153" cy="1990163"/>
+            </a:xfrm>
+            <a:prstGeom prst="rect">
+              <a:avLst/>
+            </a:prstGeom>
+            <a:grpFill/>
+            <a:ln>
+              <a:solidFill>
+                <a:schemeClr val="accent1"/>
+              </a:solidFill>
+              <a:prstDash val="dash"/>
+            </a:ln>
+          </p:spPr>
+          <p:style>
+            <a:lnRef idx="2">
+              <a:schemeClr val="dk1"/>
+            </a:lnRef>
+            <a:fillRef idx="1">
+              <a:schemeClr val="lt1"/>
+            </a:fillRef>
+            <a:effectRef idx="0">
+              <a:schemeClr val="dk1"/>
+            </a:effectRef>
+            <a:fontRef idx="minor">
+              <a:schemeClr val="dk1"/>
+            </a:fontRef>
+          </p:style>
+          <p:txBody>
+            <a:bodyPr rtlCol="0" anchor="ctr"/>
+            <a:lstStyle/>
+            <a:p>
+              <a:pPr algn="ctr"/>
+              <a:endParaRPr lang="en-US" dirty="0"/>
+            </a:p>
+          </p:txBody>
+        </p:sp>
+        <p:sp>
+          <p:nvSpPr>
+            <p:cNvPr id="12" name="TextBox 11">
+              <a:extLst>
+                <a:ext uri="{FF2B5EF4-FFF2-40B4-BE49-F238E27FC236}">
+                  <a16:creationId xmlns:a16="http://schemas.microsoft.com/office/drawing/2014/main" id="{9902421A-DB4C-C8EF-441C-0377A00C4B3F}"/>
+                </a:ext>
+              </a:extLst>
+            </p:cNvPr>
+            <p:cNvSpPr txBox="1"/>
+            <p:nvPr/>
+          </p:nvSpPr>
+          <p:spPr>
+            <a:xfrm>
+              <a:off x="3523129" y="3205334"/>
+              <a:ext cx="476412" cy="276999"/>
+            </a:xfrm>
+            <a:prstGeom prst="rect">
+              <a:avLst/>
+            </a:prstGeom>
+            <a:grpFill/>
+          </p:spPr>
+          <p:txBody>
+            <a:bodyPr wrap="none" rtlCol="0">
+              <a:spAutoFit/>
+            </a:bodyPr>
+            <a:lstStyle/>
+            <a:p>
+              <a:r>
+                <a:rPr lang="en-US" sz="1200" b="1" dirty="0"/>
+                <a:t>AZ-1</a:t>
+              </a:r>
+            </a:p>
+          </p:txBody>
+        </p:sp>
+      </p:grpSp>
+      <p:grpSp>
+        <p:nvGrpSpPr>
+          <p:cNvPr id="14" name="Group 13">
+            <a:extLst>
+              <a:ext uri="{FF2B5EF4-FFF2-40B4-BE49-F238E27FC236}">
+                <a16:creationId xmlns:a16="http://schemas.microsoft.com/office/drawing/2014/main" id="{733D8719-DDF8-C465-C55A-965282311989}"/>
+              </a:ext>
+            </a:extLst>
+          </p:cNvPr>
+          <p:cNvGrpSpPr/>
+          <p:nvPr/>
+        </p:nvGrpSpPr>
+        <p:grpSpPr>
+          <a:xfrm>
+            <a:off x="5661884" y="4008919"/>
+            <a:ext cx="2095425" cy="1990163"/>
+            <a:chOff x="3523129" y="3182471"/>
+            <a:chExt cx="4025153" cy="1990163"/>
+          </a:xfrm>
+          <a:noFill/>
+        </p:grpSpPr>
+        <p:sp>
+          <p:nvSpPr>
+            <p:cNvPr id="15" name="Rectangle 14">
+              <a:extLst>
+                <a:ext uri="{FF2B5EF4-FFF2-40B4-BE49-F238E27FC236}">
+                  <a16:creationId xmlns:a16="http://schemas.microsoft.com/office/drawing/2014/main" id="{B51D2D00-6FF0-66C9-D037-EEEB97E8B184}"/>
+                </a:ext>
+              </a:extLst>
+            </p:cNvPr>
+            <p:cNvSpPr/>
+            <p:nvPr/>
+          </p:nvSpPr>
+          <p:spPr>
+            <a:xfrm>
+              <a:off x="3523129" y="3182471"/>
+              <a:ext cx="4025153" cy="1990163"/>
+            </a:xfrm>
+            <a:prstGeom prst="rect">
+              <a:avLst/>
+            </a:prstGeom>
+            <a:grpFill/>
+            <a:ln>
+              <a:solidFill>
+                <a:schemeClr val="accent1"/>
+              </a:solidFill>
+              <a:prstDash val="dash"/>
+            </a:ln>
+          </p:spPr>
+          <p:style>
+            <a:lnRef idx="2">
+              <a:schemeClr val="dk1"/>
+            </a:lnRef>
+            <a:fillRef idx="1">
+              <a:schemeClr val="lt1"/>
+            </a:fillRef>
+            <a:effectRef idx="0">
+              <a:schemeClr val="dk1"/>
+            </a:effectRef>
+            <a:fontRef idx="minor">
+              <a:schemeClr val="dk1"/>
+            </a:fontRef>
+          </p:style>
+          <p:txBody>
+            <a:bodyPr rtlCol="0" anchor="ctr"/>
+            <a:lstStyle/>
+            <a:p>
+              <a:pPr algn="ctr"/>
+              <a:endParaRPr lang="en-US" dirty="0"/>
+            </a:p>
+          </p:txBody>
+        </p:sp>
+        <p:sp>
+          <p:nvSpPr>
+            <p:cNvPr id="16" name="TextBox 15">
+              <a:extLst>
+                <a:ext uri="{FF2B5EF4-FFF2-40B4-BE49-F238E27FC236}">
+                  <a16:creationId xmlns:a16="http://schemas.microsoft.com/office/drawing/2014/main" id="{ADDA1E52-23CF-92B2-CCF5-2E59FD7F9C91}"/>
+                </a:ext>
+              </a:extLst>
+            </p:cNvPr>
+            <p:cNvSpPr txBox="1"/>
+            <p:nvPr/>
+          </p:nvSpPr>
+          <p:spPr>
+            <a:xfrm>
+              <a:off x="3523129" y="3205334"/>
+              <a:ext cx="476412" cy="276999"/>
+            </a:xfrm>
+            <a:prstGeom prst="rect">
+              <a:avLst/>
+            </a:prstGeom>
+            <a:grpFill/>
+          </p:spPr>
+          <p:txBody>
+            <a:bodyPr wrap="none" rtlCol="0">
+              <a:spAutoFit/>
+            </a:bodyPr>
+            <a:lstStyle/>
+            <a:p>
+              <a:r>
+                <a:rPr lang="en-US" sz="1200" b="1" dirty="0"/>
+                <a:t>AZ-2</a:t>
+              </a:r>
+            </a:p>
+          </p:txBody>
+        </p:sp>
+      </p:grpSp>
+      <p:sp>
+        <p:nvSpPr>
+          <p:cNvPr id="19" name="Rectangle: Rounded Corners 18">
+            <a:extLst>
+              <a:ext uri="{FF2B5EF4-FFF2-40B4-BE49-F238E27FC236}">
+                <a16:creationId xmlns:a16="http://schemas.microsoft.com/office/drawing/2014/main" id="{999C6976-E81C-A379-0CF8-B24D0C6DCA5C}"/>
+              </a:ext>
+            </a:extLst>
+          </p:cNvPr>
+          <p:cNvSpPr/>
+          <p:nvPr/>
+        </p:nvSpPr>
+        <p:spPr>
+          <a:xfrm>
+            <a:off x="5980415" y="5232720"/>
+            <a:ext cx="1210236" cy="322728"/>
+          </a:xfrm>
+          <a:prstGeom prst="roundRect">
+            <a:avLst/>
+          </a:prstGeom>
+        </p:spPr>
+        <p:style>
+          <a:lnRef idx="2">
+            <a:schemeClr val="accent3"/>
+          </a:lnRef>
+          <a:fillRef idx="1">
+            <a:schemeClr val="lt1"/>
+          </a:fillRef>
+          <a:effectRef idx="0">
+            <a:schemeClr val="accent3"/>
+          </a:effectRef>
+          <a:fontRef idx="minor">
+            <a:schemeClr val="dk1"/>
+          </a:fontRef>
+        </p:style>
+        <p:txBody>
+          <a:bodyPr rtlCol="0" anchor="ctr"/>
+          <a:lstStyle/>
+          <a:p>
+            <a:pPr algn="ctr"/>
+            <a:r>
+              <a:rPr lang="en-US" sz="1050" dirty="0"/>
+              <a:t>EC2-2</a:t>
+            </a:r>
+          </a:p>
+        </p:txBody>
+      </p:sp>
+      <p:cxnSp>
+        <p:nvCxnSpPr>
+          <p:cNvPr id="21" name="Connector: Elbow 20">
+            <a:extLst>
+              <a:ext uri="{FF2B5EF4-FFF2-40B4-BE49-F238E27FC236}">
+                <a16:creationId xmlns:a16="http://schemas.microsoft.com/office/drawing/2014/main" id="{07F31E99-E65F-223A-95AC-945DA55389B0}"/>
+              </a:ext>
+            </a:extLst>
+          </p:cNvPr>
+          <p:cNvCxnSpPr>
+            <a:cxnSpLocks/>
+            <a:stCxn id="5" idx="0"/>
+            <a:endCxn id="10" idx="2"/>
+          </p:cNvCxnSpPr>
+          <p:nvPr/>
+        </p:nvCxnSpPr>
+        <p:spPr>
+          <a:xfrm rot="5400000" flipH="1" flipV="1">
+            <a:off x="5784418" y="2660519"/>
+            <a:ext cx="1394366" cy="172005"/>
+          </a:xfrm>
+          <a:prstGeom prst="bentConnector3">
+            <a:avLst>
+              <a:gd name="adj1" fmla="val 31355"/>
+            </a:avLst>
+          </a:prstGeom>
+          <a:ln>
+            <a:tailEnd type="triangle"/>
+          </a:ln>
+        </p:spPr>
+        <p:style>
+          <a:lnRef idx="1">
+            <a:schemeClr val="accent3"/>
+          </a:lnRef>
+          <a:fillRef idx="0">
+            <a:schemeClr val="accent3"/>
+          </a:fillRef>
+          <a:effectRef idx="0">
+            <a:schemeClr val="accent3"/>
+          </a:effectRef>
+          <a:fontRef idx="minor">
+            <a:schemeClr val="tx1"/>
+          </a:fontRef>
+        </p:style>
+      </p:cxnSp>
+      <p:sp>
+        <p:nvSpPr>
+          <p:cNvPr id="17" name="Rectangle: Rounded Corners 16">
+            <a:extLst>
+              <a:ext uri="{FF2B5EF4-FFF2-40B4-BE49-F238E27FC236}">
+                <a16:creationId xmlns:a16="http://schemas.microsoft.com/office/drawing/2014/main" id="{23DF9DF8-6661-A160-1C87-44A497545B90}"/>
+              </a:ext>
+            </a:extLst>
+          </p:cNvPr>
+          <p:cNvSpPr/>
+          <p:nvPr/>
+        </p:nvSpPr>
+        <p:spPr>
+          <a:xfrm>
+            <a:off x="5962486" y="2278166"/>
+            <a:ext cx="1210236" cy="322728"/>
+          </a:xfrm>
+          <a:prstGeom prst="roundRect">
+            <a:avLst/>
+          </a:prstGeom>
+        </p:spPr>
+        <p:style>
+          <a:lnRef idx="2">
+            <a:schemeClr val="accent3"/>
+          </a:lnRef>
+          <a:fillRef idx="1">
+            <a:schemeClr val="lt1"/>
+          </a:fillRef>
+          <a:effectRef idx="0">
+            <a:schemeClr val="accent3"/>
+          </a:effectRef>
+          <a:fontRef idx="minor">
+            <a:schemeClr val="dk1"/>
+          </a:fontRef>
+        </p:style>
+        <p:txBody>
+          <a:bodyPr rtlCol="0" anchor="ctr"/>
+          <a:lstStyle/>
+          <a:p>
+            <a:pPr algn="ctr"/>
+            <a:r>
+              <a:rPr lang="en-US" sz="1050" dirty="0"/>
+              <a:t>EC2-2</a:t>
+            </a:r>
+          </a:p>
+        </p:txBody>
+      </p:sp>
+      <p:cxnSp>
+        <p:nvCxnSpPr>
+          <p:cNvPr id="22" name="Connector: Elbow 21">
+            <a:extLst>
+              <a:ext uri="{FF2B5EF4-FFF2-40B4-BE49-F238E27FC236}">
+                <a16:creationId xmlns:a16="http://schemas.microsoft.com/office/drawing/2014/main" id="{F5B54946-2EBF-C67E-D3A2-15F20DB77C1A}"/>
+              </a:ext>
+            </a:extLst>
+          </p:cNvPr>
+          <p:cNvCxnSpPr>
+            <a:cxnSpLocks/>
+            <a:stCxn id="5" idx="0"/>
+            <a:endCxn id="17" idx="2"/>
+          </p:cNvCxnSpPr>
+          <p:nvPr/>
+        </p:nvCxnSpPr>
+        <p:spPr>
+          <a:xfrm rot="5400000" flipH="1" flipV="1">
+            <a:off x="6060196" y="2936297"/>
+            <a:ext cx="842810" cy="172005"/>
+          </a:xfrm>
+          <a:prstGeom prst="bentConnector3">
+            <a:avLst>
+              <a:gd name="adj1" fmla="val 50000"/>
+            </a:avLst>
+          </a:prstGeom>
+          <a:ln>
+            <a:tailEnd type="triangle"/>
+          </a:ln>
+        </p:spPr>
+        <p:style>
+          <a:lnRef idx="1">
+            <a:schemeClr val="accent3"/>
+          </a:lnRef>
+          <a:fillRef idx="0">
+            <a:schemeClr val="accent3"/>
+          </a:fillRef>
+          <a:effectRef idx="0">
+            <a:schemeClr val="accent3"/>
+          </a:effectRef>
+          <a:fontRef idx="minor">
+            <a:schemeClr val="tx1"/>
+          </a:fontRef>
+        </p:style>
+      </p:cxnSp>
+      <p:cxnSp>
+        <p:nvCxnSpPr>
+          <p:cNvPr id="25" name="Connector: Elbow 24">
+            <a:extLst>
+              <a:ext uri="{FF2B5EF4-FFF2-40B4-BE49-F238E27FC236}">
+                <a16:creationId xmlns:a16="http://schemas.microsoft.com/office/drawing/2014/main" id="{B0A1FBBB-32A9-7314-2684-610F733239B4}"/>
+              </a:ext>
+            </a:extLst>
+          </p:cNvPr>
+          <p:cNvCxnSpPr>
+            <a:cxnSpLocks/>
+            <a:stCxn id="5" idx="2"/>
+            <a:endCxn id="18" idx="0"/>
+          </p:cNvCxnSpPr>
+          <p:nvPr/>
+        </p:nvCxnSpPr>
+        <p:spPr>
+          <a:xfrm rot="16200000" flipH="1">
+            <a:off x="6033200" y="4128831"/>
+            <a:ext cx="914732" cy="189934"/>
+          </a:xfrm>
+          <a:prstGeom prst="bentConnector3">
+            <a:avLst>
+              <a:gd name="adj1" fmla="val 80381"/>
+            </a:avLst>
+          </a:prstGeom>
+          <a:ln>
+            <a:tailEnd type="triangle"/>
+          </a:ln>
+        </p:spPr>
+        <p:style>
+          <a:lnRef idx="1">
+            <a:schemeClr val="accent3"/>
+          </a:lnRef>
+          <a:fillRef idx="0">
+            <a:schemeClr val="accent3"/>
+          </a:fillRef>
+          <a:effectRef idx="0">
+            <a:schemeClr val="accent3"/>
+          </a:effectRef>
+          <a:fontRef idx="minor">
+            <a:schemeClr val="tx1"/>
+          </a:fontRef>
+        </p:style>
+      </p:cxnSp>
+      <p:cxnSp>
+        <p:nvCxnSpPr>
+          <p:cNvPr id="26" name="Connector: Elbow 25">
+            <a:extLst>
+              <a:ext uri="{FF2B5EF4-FFF2-40B4-BE49-F238E27FC236}">
+                <a16:creationId xmlns:a16="http://schemas.microsoft.com/office/drawing/2014/main" id="{8342452C-D4B5-C746-C647-C0291F81252E}"/>
+              </a:ext>
+            </a:extLst>
+          </p:cNvPr>
+          <p:cNvCxnSpPr>
+            <a:cxnSpLocks/>
+            <a:stCxn id="5" idx="2"/>
+            <a:endCxn id="19" idx="0"/>
+          </p:cNvCxnSpPr>
+          <p:nvPr/>
+        </p:nvCxnSpPr>
+        <p:spPr>
+          <a:xfrm rot="16200000" flipH="1">
+            <a:off x="5757422" y="4404609"/>
+            <a:ext cx="1466288" cy="189934"/>
+          </a:xfrm>
+          <a:prstGeom prst="bentConnector3">
+            <a:avLst>
+              <a:gd name="adj1" fmla="val 50000"/>
+            </a:avLst>
+          </a:prstGeom>
+          <a:ln>
+            <a:tailEnd type="triangle"/>
+          </a:ln>
+        </p:spPr>
+        <p:style>
+          <a:lnRef idx="1">
+            <a:schemeClr val="accent3"/>
+          </a:lnRef>
+          <a:fillRef idx="0">
+            <a:schemeClr val="accent3"/>
+          </a:fillRef>
+          <a:effectRef idx="0">
+            <a:schemeClr val="accent3"/>
+          </a:effectRef>
+          <a:fontRef idx="minor">
+            <a:schemeClr val="tx1"/>
+          </a:fontRef>
+        </p:style>
+      </p:cxnSp>
+      <p:sp>
+        <p:nvSpPr>
+          <p:cNvPr id="18" name="Rectangle: Rounded Corners 17">
+            <a:extLst>
+              <a:ext uri="{FF2B5EF4-FFF2-40B4-BE49-F238E27FC236}">
+                <a16:creationId xmlns:a16="http://schemas.microsoft.com/office/drawing/2014/main" id="{D445A85B-CEFE-D617-52AA-3DE9C1E24616}"/>
+              </a:ext>
+            </a:extLst>
+          </p:cNvPr>
+          <p:cNvSpPr/>
+          <p:nvPr/>
+        </p:nvSpPr>
+        <p:spPr>
+          <a:xfrm>
+            <a:off x="5980415" y="4681164"/>
+            <a:ext cx="1210236" cy="322728"/>
+          </a:xfrm>
+          <a:prstGeom prst="roundRect">
+            <a:avLst/>
+          </a:prstGeom>
+        </p:spPr>
+        <p:style>
+          <a:lnRef idx="2">
+            <a:schemeClr val="accent3"/>
+          </a:lnRef>
+          <a:fillRef idx="1">
+            <a:schemeClr val="lt1"/>
+          </a:fillRef>
+          <a:effectRef idx="0">
+            <a:schemeClr val="accent3"/>
+          </a:effectRef>
+          <a:fontRef idx="minor">
+            <a:schemeClr val="dk1"/>
+          </a:fontRef>
+        </p:style>
+        <p:txBody>
+          <a:bodyPr rtlCol="0" anchor="ctr"/>
+          <a:lstStyle/>
+          <a:p>
+            <a:pPr algn="ctr"/>
+            <a:r>
+              <a:rPr lang="en-US" sz="1050" dirty="0"/>
+              <a:t>EC2-1</a:t>
+            </a:r>
+          </a:p>
+        </p:txBody>
+      </p:sp>
+      <p:sp>
+        <p:nvSpPr>
+          <p:cNvPr id="33" name="Cylinder 32">
+            <a:extLst>
+              <a:ext uri="{FF2B5EF4-FFF2-40B4-BE49-F238E27FC236}">
+                <a16:creationId xmlns:a16="http://schemas.microsoft.com/office/drawing/2014/main" id="{DD0EC3E0-A8A9-E363-0B22-0F72F022CE40}"/>
+              </a:ext>
+            </a:extLst>
+          </p:cNvPr>
+          <p:cNvSpPr/>
+          <p:nvPr/>
+        </p:nvSpPr>
+        <p:spPr>
+          <a:xfrm>
+            <a:off x="10150414" y="1951383"/>
+            <a:ext cx="1112102" cy="587188"/>
+          </a:xfrm>
+          <a:prstGeom prst="can">
+            <a:avLst/>
+          </a:prstGeom>
+          <a:solidFill>
+            <a:schemeClr val="bg1">
+              <a:lumMod val="75000"/>
+            </a:schemeClr>
+          </a:solidFill>
+        </p:spPr>
+        <p:style>
+          <a:lnRef idx="2">
+            <a:schemeClr val="accent3">
+              <a:shade val="15000"/>
+            </a:schemeClr>
+          </a:lnRef>
+          <a:fillRef idx="1">
+            <a:schemeClr val="accent3"/>
+          </a:fillRef>
+          <a:effectRef idx="0">
+            <a:schemeClr val="accent3"/>
+          </a:effectRef>
+          <a:fontRef idx="minor">
+            <a:schemeClr val="lt1"/>
+          </a:fontRef>
+        </p:style>
+        <p:txBody>
+          <a:bodyPr rtlCol="0" anchor="ctr"/>
+          <a:lstStyle/>
+          <a:p>
+            <a:pPr algn="ctr"/>
+            <a:r>
+              <a:rPr lang="en-US" sz="1100" dirty="0">
+                <a:solidFill>
+                  <a:schemeClr val="tx1">
+                    <a:lumMod val="95000"/>
+                    <a:lumOff val="5000"/>
+                  </a:schemeClr>
+                </a:solidFill>
+              </a:rPr>
+              <a:t>Aurora DB</a:t>
+            </a:r>
+          </a:p>
+        </p:txBody>
+      </p:sp>
+      <p:sp>
+        <p:nvSpPr>
+          <p:cNvPr id="34" name="Cylinder 33">
+            <a:extLst>
+              <a:ext uri="{FF2B5EF4-FFF2-40B4-BE49-F238E27FC236}">
+                <a16:creationId xmlns:a16="http://schemas.microsoft.com/office/drawing/2014/main" id="{094D46D6-94EC-98DA-B667-CA32CE6A6597}"/>
+              </a:ext>
+            </a:extLst>
+          </p:cNvPr>
+          <p:cNvSpPr/>
+          <p:nvPr/>
+        </p:nvSpPr>
+        <p:spPr>
+          <a:xfrm>
+            <a:off x="10150414" y="4809339"/>
+            <a:ext cx="1112102" cy="587188"/>
+          </a:xfrm>
+          <a:prstGeom prst="can">
+            <a:avLst/>
+          </a:prstGeom>
+          <a:solidFill>
+            <a:schemeClr val="bg1">
+              <a:lumMod val="95000"/>
+            </a:schemeClr>
+          </a:solidFill>
+          <a:ln>
+            <a:prstDash val="sysDash"/>
+          </a:ln>
+        </p:spPr>
+        <p:style>
+          <a:lnRef idx="2">
+            <a:schemeClr val="accent3">
+              <a:shade val="15000"/>
+            </a:schemeClr>
+          </a:lnRef>
+          <a:fillRef idx="1">
+            <a:schemeClr val="accent3"/>
+          </a:fillRef>
+          <a:effectRef idx="0">
+            <a:schemeClr val="accent3"/>
+          </a:effectRef>
+          <a:fontRef idx="minor">
+            <a:schemeClr val="lt1"/>
+          </a:fontRef>
+        </p:style>
+        <p:txBody>
+          <a:bodyPr rtlCol="0" anchor="ctr"/>
+          <a:lstStyle/>
+          <a:p>
+            <a:pPr algn="ctr"/>
+            <a:r>
+              <a:rPr lang="en-US" sz="1100" dirty="0">
+                <a:solidFill>
+                  <a:schemeClr val="tx1">
+                    <a:lumMod val="95000"/>
+                    <a:lumOff val="5000"/>
+                  </a:schemeClr>
+                </a:solidFill>
+              </a:rPr>
+              <a:t>Aurora DB</a:t>
+            </a:r>
+          </a:p>
+        </p:txBody>
+      </p:sp>
+      <p:cxnSp>
+        <p:nvCxnSpPr>
+          <p:cNvPr id="36" name="Straight Arrow Connector 35">
+            <a:extLst>
+              <a:ext uri="{FF2B5EF4-FFF2-40B4-BE49-F238E27FC236}">
+                <a16:creationId xmlns:a16="http://schemas.microsoft.com/office/drawing/2014/main" id="{8D36700E-09A0-D557-6E0A-02CFFC542840}"/>
+              </a:ext>
+            </a:extLst>
+          </p:cNvPr>
+          <p:cNvCxnSpPr>
+            <a:stCxn id="33" idx="3"/>
+            <a:endCxn id="34" idx="1"/>
+          </p:cNvCxnSpPr>
+          <p:nvPr/>
+        </p:nvCxnSpPr>
+        <p:spPr>
+          <a:xfrm>
+            <a:off x="10706465" y="2538571"/>
+            <a:ext cx="0" cy="2270768"/>
+          </a:xfrm>
+          <a:prstGeom prst="straightConnector1">
+            <a:avLst/>
+          </a:prstGeom>
+          <a:ln>
+            <a:prstDash val="dashDot"/>
+            <a:headEnd type="triangle" w="med" len="med"/>
+            <a:tailEnd type="triangle" w="med" len="med"/>
+          </a:ln>
+        </p:spPr>
+        <p:style>
+          <a:lnRef idx="1">
+            <a:schemeClr val="accent3"/>
+          </a:lnRef>
+          <a:fillRef idx="0">
+            <a:schemeClr val="accent3"/>
+          </a:fillRef>
+          <a:effectRef idx="0">
+            <a:schemeClr val="accent3"/>
+          </a:effectRef>
+          <a:fontRef idx="minor">
+            <a:schemeClr val="tx1"/>
+          </a:fontRef>
+        </p:style>
+      </p:cxnSp>
+      <p:sp>
+        <p:nvSpPr>
+          <p:cNvPr id="37" name="TextBox 36">
+            <a:extLst>
+              <a:ext uri="{FF2B5EF4-FFF2-40B4-BE49-F238E27FC236}">
+                <a16:creationId xmlns:a16="http://schemas.microsoft.com/office/drawing/2014/main" id="{8A91433E-5525-0431-9D46-3A6FE9D474B4}"/>
+              </a:ext>
+            </a:extLst>
+          </p:cNvPr>
+          <p:cNvSpPr txBox="1"/>
+          <p:nvPr/>
+        </p:nvSpPr>
+        <p:spPr>
+          <a:xfrm>
+            <a:off x="9190040" y="2510885"/>
+            <a:ext cx="872355" cy="230832"/>
+          </a:xfrm>
+          <a:prstGeom prst="rect">
+            <a:avLst/>
+          </a:prstGeom>
+          <a:noFill/>
+        </p:spPr>
+        <p:txBody>
+          <a:bodyPr wrap="none" rtlCol="0">
+            <a:spAutoFit/>
+          </a:bodyPr>
+          <a:lstStyle/>
+          <a:p>
+            <a:r>
+              <a:rPr lang="en-US" sz="900" dirty="0"/>
+              <a:t>Read Endpoint</a:t>
+            </a:r>
+          </a:p>
+        </p:txBody>
+      </p:sp>
+      <p:sp>
+        <p:nvSpPr>
+          <p:cNvPr id="38" name="TextBox 37">
+            <a:extLst>
+              <a:ext uri="{FF2B5EF4-FFF2-40B4-BE49-F238E27FC236}">
+                <a16:creationId xmlns:a16="http://schemas.microsoft.com/office/drawing/2014/main" id="{4DDFCF06-970F-F79C-41F3-083827EE16DC}"/>
+              </a:ext>
+            </a:extLst>
+          </p:cNvPr>
+          <p:cNvSpPr txBox="1"/>
+          <p:nvPr/>
+        </p:nvSpPr>
+        <p:spPr>
+          <a:xfrm>
+            <a:off x="9119234" y="1755728"/>
+            <a:ext cx="902811" cy="230832"/>
+          </a:xfrm>
+          <a:prstGeom prst="rect">
+            <a:avLst/>
+          </a:prstGeom>
+          <a:noFill/>
+        </p:spPr>
+        <p:txBody>
+          <a:bodyPr wrap="none" rtlCol="0">
+            <a:spAutoFit/>
+          </a:bodyPr>
+          <a:lstStyle/>
+          <a:p>
+            <a:r>
+              <a:rPr lang="en-US" sz="900" dirty="0"/>
+              <a:t>Write Endpoint</a:t>
+            </a:r>
+          </a:p>
+        </p:txBody>
+      </p:sp>
+      <p:cxnSp>
+        <p:nvCxnSpPr>
+          <p:cNvPr id="42" name="Connector: Elbow 41">
+            <a:extLst>
+              <a:ext uri="{FF2B5EF4-FFF2-40B4-BE49-F238E27FC236}">
+                <a16:creationId xmlns:a16="http://schemas.microsoft.com/office/drawing/2014/main" id="{821C1231-B792-CB7E-7472-ACEA73F8EF2B}"/>
+              </a:ext>
+            </a:extLst>
+          </p:cNvPr>
+          <p:cNvCxnSpPr>
+            <a:stCxn id="33" idx="2"/>
+          </p:cNvCxnSpPr>
+          <p:nvPr/>
+        </p:nvCxnSpPr>
+        <p:spPr>
+          <a:xfrm rot="10800000">
+            <a:off x="9102022" y="1951383"/>
+            <a:ext cx="1048393" cy="293594"/>
+          </a:xfrm>
+          <a:prstGeom prst="bentConnector3">
+            <a:avLst/>
+          </a:prstGeom>
+          <a:ln>
+            <a:tailEnd type="triangle"/>
+          </a:ln>
+        </p:spPr>
+        <p:style>
+          <a:lnRef idx="1">
+            <a:schemeClr val="accent3"/>
+          </a:lnRef>
+          <a:fillRef idx="0">
+            <a:schemeClr val="accent3"/>
+          </a:fillRef>
+          <a:effectRef idx="0">
+            <a:schemeClr val="accent3"/>
+          </a:effectRef>
+          <a:fontRef idx="minor">
+            <a:schemeClr val="tx1"/>
+          </a:fontRef>
+        </p:style>
+      </p:cxnSp>
+      <p:cxnSp>
+        <p:nvCxnSpPr>
+          <p:cNvPr id="44" name="Connector: Elbow 43">
+            <a:extLst>
+              <a:ext uri="{FF2B5EF4-FFF2-40B4-BE49-F238E27FC236}">
+                <a16:creationId xmlns:a16="http://schemas.microsoft.com/office/drawing/2014/main" id="{0368F2A5-D350-2E91-B249-F0F374F198D6}"/>
+              </a:ext>
+            </a:extLst>
+          </p:cNvPr>
+          <p:cNvCxnSpPr>
+            <a:stCxn id="33" idx="2"/>
+          </p:cNvCxnSpPr>
+          <p:nvPr/>
+        </p:nvCxnSpPr>
+        <p:spPr>
+          <a:xfrm rot="10800000" flipV="1">
+            <a:off x="9102022" y="2244977"/>
+            <a:ext cx="1048392" cy="293594"/>
+          </a:xfrm>
+          <a:prstGeom prst="bentConnector3">
+            <a:avLst/>
+          </a:prstGeom>
+          <a:ln>
+            <a:tailEnd type="triangle"/>
+          </a:ln>
+        </p:spPr>
+        <p:style>
+          <a:lnRef idx="1">
+            <a:schemeClr val="accent3"/>
+          </a:lnRef>
+          <a:fillRef idx="0">
+            <a:schemeClr val="accent3"/>
+          </a:fillRef>
+          <a:effectRef idx="0">
+            <a:schemeClr val="accent3"/>
+          </a:effectRef>
+          <a:fontRef idx="minor">
+            <a:schemeClr val="tx1"/>
+          </a:fontRef>
+        </p:style>
+      </p:cxnSp>
+      <p:cxnSp>
+        <p:nvCxnSpPr>
+          <p:cNvPr id="46" name="Connector: Elbow 45">
+            <a:extLst>
+              <a:ext uri="{FF2B5EF4-FFF2-40B4-BE49-F238E27FC236}">
+                <a16:creationId xmlns:a16="http://schemas.microsoft.com/office/drawing/2014/main" id="{217FD6F8-5DBF-7FA3-6176-60AFE0A8A3A3}"/>
+              </a:ext>
+            </a:extLst>
+          </p:cNvPr>
+          <p:cNvCxnSpPr>
+            <a:cxnSpLocks/>
+            <a:stCxn id="10" idx="3"/>
+            <a:endCxn id="138" idx="1"/>
+          </p:cNvCxnSpPr>
+          <p:nvPr/>
+        </p:nvCxnSpPr>
+        <p:spPr>
+          <a:xfrm>
+            <a:off x="7172722" y="1887974"/>
+            <a:ext cx="720068" cy="1702390"/>
+          </a:xfrm>
+          <a:prstGeom prst="bentConnector3">
+            <a:avLst/>
+          </a:prstGeom>
+          <a:ln>
+            <a:tailEnd type="triangle"/>
+          </a:ln>
+        </p:spPr>
+        <p:style>
+          <a:lnRef idx="1">
+            <a:schemeClr val="accent3"/>
+          </a:lnRef>
+          <a:fillRef idx="0">
+            <a:schemeClr val="accent3"/>
+          </a:fillRef>
+          <a:effectRef idx="0">
+            <a:schemeClr val="accent3"/>
+          </a:effectRef>
+          <a:fontRef idx="minor">
+            <a:schemeClr val="tx1"/>
+          </a:fontRef>
+        </p:style>
+      </p:cxnSp>
+      <p:cxnSp>
+        <p:nvCxnSpPr>
+          <p:cNvPr id="47" name="Connector: Elbow 46">
+            <a:extLst>
+              <a:ext uri="{FF2B5EF4-FFF2-40B4-BE49-F238E27FC236}">
+                <a16:creationId xmlns:a16="http://schemas.microsoft.com/office/drawing/2014/main" id="{E5E34830-1DC9-89B2-DA99-043636C69FA3}"/>
+              </a:ext>
+            </a:extLst>
+          </p:cNvPr>
+          <p:cNvCxnSpPr>
+            <a:cxnSpLocks/>
+            <a:stCxn id="17" idx="3"/>
+            <a:endCxn id="138" idx="1"/>
+          </p:cNvCxnSpPr>
+          <p:nvPr/>
+        </p:nvCxnSpPr>
+        <p:spPr>
+          <a:xfrm>
+            <a:off x="7172722" y="2439530"/>
+            <a:ext cx="720068" cy="1150834"/>
+          </a:xfrm>
+          <a:prstGeom prst="bentConnector3">
+            <a:avLst>
+              <a:gd name="adj1" fmla="val 50000"/>
+            </a:avLst>
+          </a:prstGeom>
+          <a:ln>
+            <a:tailEnd type="triangle"/>
+          </a:ln>
+        </p:spPr>
+        <p:style>
+          <a:lnRef idx="1">
+            <a:schemeClr val="accent3"/>
+          </a:lnRef>
+          <a:fillRef idx="0">
+            <a:schemeClr val="accent3"/>
+          </a:fillRef>
+          <a:effectRef idx="0">
+            <a:schemeClr val="accent3"/>
+          </a:effectRef>
+          <a:fontRef idx="minor">
+            <a:schemeClr val="tx1"/>
+          </a:fontRef>
+        </p:style>
+      </p:cxnSp>
+      <p:sp>
+        <p:nvSpPr>
+          <p:cNvPr id="52" name="TextBox 51">
+            <a:extLst>
+              <a:ext uri="{FF2B5EF4-FFF2-40B4-BE49-F238E27FC236}">
+                <a16:creationId xmlns:a16="http://schemas.microsoft.com/office/drawing/2014/main" id="{C67B6B71-6E8C-EBC5-5360-D5698159476C}"/>
+              </a:ext>
+            </a:extLst>
+          </p:cNvPr>
+          <p:cNvSpPr txBox="1"/>
+          <p:nvPr/>
+        </p:nvSpPr>
+        <p:spPr>
+          <a:xfrm>
+            <a:off x="8035587" y="1346734"/>
+            <a:ext cx="615874" cy="230832"/>
+          </a:xfrm>
+          <a:prstGeom prst="rect">
+            <a:avLst/>
+          </a:prstGeom>
+          <a:noFill/>
+        </p:spPr>
+        <p:txBody>
+          <a:bodyPr wrap="none" rtlCol="0">
+            <a:spAutoFit/>
+          </a:bodyPr>
+          <a:lstStyle/>
+          <a:p>
+            <a:r>
+              <a:rPr lang="en-US" sz="900" dirty="0"/>
+              <a:t>DB Conn.</a:t>
+            </a:r>
+          </a:p>
+        </p:txBody>
+      </p:sp>
+      <p:grpSp>
+        <p:nvGrpSpPr>
+          <p:cNvPr id="2" name="Group 1">
+            <a:extLst>
+              <a:ext uri="{FF2B5EF4-FFF2-40B4-BE49-F238E27FC236}">
+                <a16:creationId xmlns:a16="http://schemas.microsoft.com/office/drawing/2014/main" id="{E5841133-8D3A-287A-50C0-96EF2830409D}"/>
+              </a:ext>
+            </a:extLst>
+          </p:cNvPr>
+          <p:cNvGrpSpPr/>
+          <p:nvPr/>
+        </p:nvGrpSpPr>
+        <p:grpSpPr>
+          <a:xfrm>
+            <a:off x="9268955" y="1122828"/>
+            <a:ext cx="2401344" cy="1990163"/>
+            <a:chOff x="3523129" y="3182471"/>
+            <a:chExt cx="4025153" cy="1990163"/>
+          </a:xfrm>
+          <a:noFill/>
+        </p:grpSpPr>
+        <p:sp>
+          <p:nvSpPr>
+            <p:cNvPr id="3" name="Rectangle 2">
+              <a:extLst>
+                <a:ext uri="{FF2B5EF4-FFF2-40B4-BE49-F238E27FC236}">
+                  <a16:creationId xmlns:a16="http://schemas.microsoft.com/office/drawing/2014/main" id="{340280A7-6A35-8D1C-1F85-98755C094903}"/>
+                </a:ext>
+              </a:extLst>
+            </p:cNvPr>
+            <p:cNvSpPr/>
+            <p:nvPr/>
+          </p:nvSpPr>
+          <p:spPr>
+            <a:xfrm>
+              <a:off x="3523129" y="3182471"/>
+              <a:ext cx="4025153" cy="1990163"/>
+            </a:xfrm>
+            <a:prstGeom prst="rect">
+              <a:avLst/>
+            </a:prstGeom>
+            <a:grpFill/>
+            <a:ln>
+              <a:solidFill>
+                <a:schemeClr val="accent1"/>
+              </a:solidFill>
+              <a:prstDash val="dash"/>
+            </a:ln>
+          </p:spPr>
+          <p:style>
+            <a:lnRef idx="2">
+              <a:schemeClr val="dk1"/>
+            </a:lnRef>
+            <a:fillRef idx="1">
+              <a:schemeClr val="lt1"/>
+            </a:fillRef>
+            <a:effectRef idx="0">
+              <a:schemeClr val="dk1"/>
+            </a:effectRef>
+            <a:fontRef idx="minor">
+              <a:schemeClr val="dk1"/>
+            </a:fontRef>
+          </p:style>
+          <p:txBody>
+            <a:bodyPr rtlCol="0" anchor="ctr"/>
+            <a:lstStyle/>
+            <a:p>
+              <a:pPr algn="ctr"/>
+              <a:endParaRPr lang="en-US" dirty="0"/>
+            </a:p>
+          </p:txBody>
+        </p:sp>
+        <p:sp>
+          <p:nvSpPr>
+            <p:cNvPr id="6" name="TextBox 5">
+              <a:extLst>
+                <a:ext uri="{FF2B5EF4-FFF2-40B4-BE49-F238E27FC236}">
+                  <a16:creationId xmlns:a16="http://schemas.microsoft.com/office/drawing/2014/main" id="{19D31510-7F36-BD36-CD2F-16F7EA7555CD}"/>
+                </a:ext>
+              </a:extLst>
+            </p:cNvPr>
+            <p:cNvSpPr txBox="1"/>
+            <p:nvPr/>
+          </p:nvSpPr>
+          <p:spPr>
+            <a:xfrm>
+              <a:off x="3523129" y="3205334"/>
+              <a:ext cx="476412" cy="276999"/>
+            </a:xfrm>
+            <a:prstGeom prst="rect">
+              <a:avLst/>
+            </a:prstGeom>
+            <a:grpFill/>
+          </p:spPr>
+          <p:txBody>
+            <a:bodyPr wrap="none" rtlCol="0">
+              <a:spAutoFit/>
+            </a:bodyPr>
+            <a:lstStyle/>
+            <a:p>
+              <a:r>
+                <a:rPr lang="en-US" sz="1200" b="1" dirty="0"/>
+                <a:t>AZ-1</a:t>
+              </a:r>
+            </a:p>
+          </p:txBody>
+        </p:sp>
+      </p:grpSp>
+      <p:grpSp>
+        <p:nvGrpSpPr>
+          <p:cNvPr id="8" name="Group 7">
+            <a:extLst>
+              <a:ext uri="{FF2B5EF4-FFF2-40B4-BE49-F238E27FC236}">
+                <a16:creationId xmlns:a16="http://schemas.microsoft.com/office/drawing/2014/main" id="{D7E458B9-E81E-2BEF-4B74-2387C322E289}"/>
+              </a:ext>
+            </a:extLst>
+          </p:cNvPr>
+          <p:cNvGrpSpPr/>
+          <p:nvPr/>
+        </p:nvGrpSpPr>
+        <p:grpSpPr>
+          <a:xfrm>
+            <a:off x="9268955" y="4058318"/>
+            <a:ext cx="2401344" cy="1990163"/>
+            <a:chOff x="3523129" y="3182471"/>
+            <a:chExt cx="4025153" cy="1990163"/>
+          </a:xfrm>
+          <a:noFill/>
+        </p:grpSpPr>
+        <p:sp>
+          <p:nvSpPr>
+            <p:cNvPr id="9" name="Rectangle 8">
+              <a:extLst>
+                <a:ext uri="{FF2B5EF4-FFF2-40B4-BE49-F238E27FC236}">
+                  <a16:creationId xmlns:a16="http://schemas.microsoft.com/office/drawing/2014/main" id="{B537C01C-1D38-8CFA-24DB-1DCD79FBF0F2}"/>
+                </a:ext>
+              </a:extLst>
+            </p:cNvPr>
+            <p:cNvSpPr/>
+            <p:nvPr/>
+          </p:nvSpPr>
+          <p:spPr>
+            <a:xfrm>
+              <a:off x="3523129" y="3182471"/>
+              <a:ext cx="4025153" cy="1990163"/>
+            </a:xfrm>
+            <a:prstGeom prst="rect">
+              <a:avLst/>
+            </a:prstGeom>
+            <a:grpFill/>
+            <a:ln>
+              <a:solidFill>
+                <a:schemeClr val="accent1"/>
+              </a:solidFill>
+              <a:prstDash val="dash"/>
+            </a:ln>
+          </p:spPr>
+          <p:style>
+            <a:lnRef idx="2">
+              <a:schemeClr val="dk1"/>
+            </a:lnRef>
+            <a:fillRef idx="1">
+              <a:schemeClr val="lt1"/>
+            </a:fillRef>
+            <a:effectRef idx="0">
+              <a:schemeClr val="dk1"/>
+            </a:effectRef>
+            <a:fontRef idx="minor">
+              <a:schemeClr val="dk1"/>
+            </a:fontRef>
+          </p:style>
+          <p:txBody>
+            <a:bodyPr rtlCol="0" anchor="ctr"/>
+            <a:lstStyle/>
+            <a:p>
+              <a:pPr algn="ctr"/>
+              <a:endParaRPr lang="en-US" dirty="0"/>
+            </a:p>
+          </p:txBody>
+        </p:sp>
+        <p:sp>
+          <p:nvSpPr>
+            <p:cNvPr id="20" name="TextBox 19">
+              <a:extLst>
+                <a:ext uri="{FF2B5EF4-FFF2-40B4-BE49-F238E27FC236}">
+                  <a16:creationId xmlns:a16="http://schemas.microsoft.com/office/drawing/2014/main" id="{CAA9F350-9C27-EC44-FDB1-DF6112CBF016}"/>
+                </a:ext>
+              </a:extLst>
+            </p:cNvPr>
+            <p:cNvSpPr txBox="1"/>
+            <p:nvPr/>
+          </p:nvSpPr>
+          <p:spPr>
+            <a:xfrm>
+              <a:off x="3523129" y="3205334"/>
+              <a:ext cx="476412" cy="276999"/>
+            </a:xfrm>
+            <a:prstGeom prst="rect">
+              <a:avLst/>
+            </a:prstGeom>
+            <a:grpFill/>
+          </p:spPr>
+          <p:txBody>
+            <a:bodyPr wrap="none" rtlCol="0">
+              <a:spAutoFit/>
+            </a:bodyPr>
+            <a:lstStyle/>
+            <a:p>
+              <a:r>
+                <a:rPr lang="en-US" sz="1200" b="1" dirty="0"/>
+                <a:t>AZ-2</a:t>
+              </a:r>
+            </a:p>
+          </p:txBody>
+        </p:sp>
+      </p:grpSp>
+      <p:grpSp>
+        <p:nvGrpSpPr>
+          <p:cNvPr id="27" name="Group 26">
+            <a:extLst>
+              <a:ext uri="{FF2B5EF4-FFF2-40B4-BE49-F238E27FC236}">
+                <a16:creationId xmlns:a16="http://schemas.microsoft.com/office/drawing/2014/main" id="{ED2F1A4A-637F-7794-FA6F-23EF96B4905B}"/>
+              </a:ext>
+            </a:extLst>
+          </p:cNvPr>
+          <p:cNvGrpSpPr/>
+          <p:nvPr/>
+        </p:nvGrpSpPr>
+        <p:grpSpPr>
+          <a:xfrm>
+            <a:off x="1201271" y="853886"/>
+            <a:ext cx="10754376" cy="5481467"/>
+            <a:chOff x="3523129" y="3174808"/>
+            <a:chExt cx="4025153" cy="1997826"/>
+          </a:xfrm>
+          <a:noFill/>
+        </p:grpSpPr>
+        <p:sp>
+          <p:nvSpPr>
+            <p:cNvPr id="28" name="Rectangle 27">
+              <a:extLst>
+                <a:ext uri="{FF2B5EF4-FFF2-40B4-BE49-F238E27FC236}">
+                  <a16:creationId xmlns:a16="http://schemas.microsoft.com/office/drawing/2014/main" id="{6772B35B-1586-08A0-06E3-4F0E8268A6E3}"/>
+                </a:ext>
+              </a:extLst>
+            </p:cNvPr>
+            <p:cNvSpPr/>
+            <p:nvPr/>
+          </p:nvSpPr>
+          <p:spPr>
+            <a:xfrm>
+              <a:off x="3523129" y="3182471"/>
+              <a:ext cx="4025153" cy="1990163"/>
+            </a:xfrm>
+            <a:prstGeom prst="rect">
+              <a:avLst/>
+            </a:prstGeom>
+            <a:grpFill/>
+            <a:ln>
+              <a:solidFill>
+                <a:schemeClr val="accent1"/>
+              </a:solidFill>
+              <a:prstDash val="dash"/>
+            </a:ln>
+          </p:spPr>
+          <p:style>
+            <a:lnRef idx="2">
+              <a:schemeClr val="dk1"/>
+            </a:lnRef>
+            <a:fillRef idx="1">
+              <a:schemeClr val="lt1"/>
+            </a:fillRef>
+            <a:effectRef idx="0">
+              <a:schemeClr val="dk1"/>
+            </a:effectRef>
+            <a:fontRef idx="minor">
+              <a:schemeClr val="dk1"/>
+            </a:fontRef>
+          </p:style>
+          <p:txBody>
+            <a:bodyPr rtlCol="0" anchor="ctr"/>
+            <a:lstStyle/>
+            <a:p>
+              <a:pPr algn="ctr"/>
+              <a:endParaRPr lang="en-US" dirty="0"/>
+            </a:p>
+          </p:txBody>
+        </p:sp>
+        <p:sp>
+          <p:nvSpPr>
+            <p:cNvPr id="29" name="TextBox 28">
+              <a:extLst>
+                <a:ext uri="{FF2B5EF4-FFF2-40B4-BE49-F238E27FC236}">
+                  <a16:creationId xmlns:a16="http://schemas.microsoft.com/office/drawing/2014/main" id="{D4C19AD4-5C77-D53A-49F6-6B2C89C675E7}"/>
+                </a:ext>
+              </a:extLst>
+            </p:cNvPr>
+            <p:cNvSpPr txBox="1"/>
+            <p:nvPr/>
+          </p:nvSpPr>
+          <p:spPr>
+            <a:xfrm>
+              <a:off x="3532009" y="3174808"/>
+              <a:ext cx="528374" cy="81576"/>
+            </a:xfrm>
+            <a:prstGeom prst="rect">
+              <a:avLst/>
+            </a:prstGeom>
+            <a:grpFill/>
+          </p:spPr>
+          <p:txBody>
+            <a:bodyPr wrap="square" rtlCol="0">
+              <a:spAutoFit/>
+            </a:bodyPr>
+            <a:lstStyle/>
+            <a:p>
+              <a:r>
+                <a:rPr lang="en-US" sz="1050" b="1" dirty="0"/>
+                <a:t>Region-1</a:t>
+              </a:r>
+            </a:p>
+          </p:txBody>
+        </p:sp>
+      </p:grpSp>
+      <p:cxnSp>
+        <p:nvCxnSpPr>
+          <p:cNvPr id="31" name="Straight Connector 30">
+            <a:extLst>
+              <a:ext uri="{FF2B5EF4-FFF2-40B4-BE49-F238E27FC236}">
+                <a16:creationId xmlns:a16="http://schemas.microsoft.com/office/drawing/2014/main" id="{1003161F-A31D-8400-8072-B82AFCF2A70B}"/>
+              </a:ext>
+            </a:extLst>
+          </p:cNvPr>
+          <p:cNvCxnSpPr>
+            <a:cxnSpLocks/>
+          </p:cNvCxnSpPr>
+          <p:nvPr/>
+        </p:nvCxnSpPr>
+        <p:spPr>
+          <a:xfrm flipH="1">
+            <a:off x="8789653" y="862882"/>
+            <a:ext cx="10418" cy="5472471"/>
+          </a:xfrm>
+          <a:prstGeom prst="line">
+            <a:avLst/>
+          </a:prstGeom>
+          <a:ln>
+            <a:solidFill>
+              <a:schemeClr val="accent2">
+                <a:lumMod val="75000"/>
+              </a:schemeClr>
+            </a:solidFill>
+            <a:prstDash val="lgDash"/>
+          </a:ln>
+        </p:spPr>
+        <p:style>
+          <a:lnRef idx="1">
+            <a:schemeClr val="accent4"/>
+          </a:lnRef>
+          <a:fillRef idx="0">
+            <a:schemeClr val="accent4"/>
+          </a:fillRef>
+          <a:effectRef idx="0">
+            <a:schemeClr val="accent4"/>
+          </a:effectRef>
+          <a:fontRef idx="minor">
+            <a:schemeClr val="tx1"/>
+          </a:fontRef>
+        </p:style>
+      </p:cxnSp>
+      <p:sp>
+        <p:nvSpPr>
+          <p:cNvPr id="41" name="TextBox 40">
+            <a:extLst>
+              <a:ext uri="{FF2B5EF4-FFF2-40B4-BE49-F238E27FC236}">
+                <a16:creationId xmlns:a16="http://schemas.microsoft.com/office/drawing/2014/main" id="{32AB088C-3E3F-00E3-1449-480C325416CB}"/>
+              </a:ext>
+            </a:extLst>
+          </p:cNvPr>
+          <p:cNvSpPr txBox="1"/>
+          <p:nvPr/>
+        </p:nvSpPr>
+        <p:spPr>
+          <a:xfrm>
+            <a:off x="10199480" y="634409"/>
+            <a:ext cx="720959" cy="230832"/>
+          </a:xfrm>
+          <a:prstGeom prst="rect">
+            <a:avLst/>
+          </a:prstGeom>
+          <a:solidFill>
+            <a:schemeClr val="bg2"/>
+          </a:solidFill>
+        </p:spPr>
+        <p:txBody>
+          <a:bodyPr wrap="square" rtlCol="0">
+            <a:spAutoFit/>
+          </a:bodyPr>
+          <a:lstStyle/>
+          <a:p>
+            <a:r>
+              <a:rPr lang="en-US" sz="900" b="1" dirty="0"/>
+              <a:t>DB Layer</a:t>
+            </a:r>
+          </a:p>
+        </p:txBody>
+      </p:sp>
+      <p:sp>
+        <p:nvSpPr>
+          <p:cNvPr id="43" name="TextBox 42">
+            <a:extLst>
+              <a:ext uri="{FF2B5EF4-FFF2-40B4-BE49-F238E27FC236}">
+                <a16:creationId xmlns:a16="http://schemas.microsoft.com/office/drawing/2014/main" id="{B5CDD742-9386-DAEF-03F1-3AC67EACB77D}"/>
+              </a:ext>
+            </a:extLst>
+          </p:cNvPr>
+          <p:cNvSpPr txBox="1"/>
+          <p:nvPr/>
+        </p:nvSpPr>
+        <p:spPr>
+          <a:xfrm>
+            <a:off x="6347375" y="634409"/>
+            <a:ext cx="720959" cy="230832"/>
+          </a:xfrm>
+          <a:prstGeom prst="rect">
+            <a:avLst/>
+          </a:prstGeom>
+          <a:solidFill>
+            <a:schemeClr val="bg2"/>
+          </a:solidFill>
+        </p:spPr>
+        <p:txBody>
+          <a:bodyPr wrap="square" rtlCol="0">
+            <a:spAutoFit/>
+          </a:bodyPr>
+          <a:lstStyle/>
+          <a:p>
+            <a:r>
+              <a:rPr lang="en-US" sz="900" b="1" dirty="0"/>
+              <a:t>App Layer</a:t>
+            </a:r>
+          </a:p>
+        </p:txBody>
+      </p:sp>
+      <p:sp>
+        <p:nvSpPr>
+          <p:cNvPr id="49" name="Rectangle: Rounded Corners 48">
+            <a:extLst>
+              <a:ext uri="{FF2B5EF4-FFF2-40B4-BE49-F238E27FC236}">
+                <a16:creationId xmlns:a16="http://schemas.microsoft.com/office/drawing/2014/main" id="{12637249-6592-AB97-49EC-9CCFD7561B21}"/>
+              </a:ext>
+            </a:extLst>
+          </p:cNvPr>
+          <p:cNvSpPr/>
+          <p:nvPr/>
+        </p:nvSpPr>
+        <p:spPr>
+          <a:xfrm>
+            <a:off x="2386097" y="3417282"/>
+            <a:ext cx="606495" cy="322728"/>
+          </a:xfrm>
+          <a:prstGeom prst="roundRect">
+            <a:avLst/>
+          </a:prstGeom>
+        </p:spPr>
+        <p:style>
+          <a:lnRef idx="2">
+            <a:schemeClr val="accent3"/>
+          </a:lnRef>
+          <a:fillRef idx="1">
+            <a:schemeClr val="lt1"/>
+          </a:fillRef>
+          <a:effectRef idx="0">
+            <a:schemeClr val="accent3"/>
+          </a:effectRef>
+          <a:fontRef idx="minor">
+            <a:schemeClr val="dk1"/>
+          </a:fontRef>
+        </p:style>
+        <p:txBody>
+          <a:bodyPr rtlCol="0" anchor="ctr"/>
+          <a:lstStyle/>
+          <a:p>
+            <a:pPr algn="ctr"/>
+            <a:r>
+              <a:rPr lang="en-US" sz="1050" dirty="0"/>
+              <a:t>ASG</a:t>
+            </a:r>
+          </a:p>
+        </p:txBody>
+      </p:sp>
+      <p:sp>
+        <p:nvSpPr>
+          <p:cNvPr id="50" name="Rectangle: Rounded Corners 49">
+            <a:extLst>
+              <a:ext uri="{FF2B5EF4-FFF2-40B4-BE49-F238E27FC236}">
+                <a16:creationId xmlns:a16="http://schemas.microsoft.com/office/drawing/2014/main" id="{63FA6019-23F5-FB96-FD2E-5C8D8018AA92}"/>
+              </a:ext>
+            </a:extLst>
+          </p:cNvPr>
+          <p:cNvSpPr/>
+          <p:nvPr/>
+        </p:nvSpPr>
+        <p:spPr>
+          <a:xfrm>
+            <a:off x="2436272" y="1688542"/>
+            <a:ext cx="1210236" cy="322728"/>
+          </a:xfrm>
+          <a:prstGeom prst="roundRect">
+            <a:avLst/>
+          </a:prstGeom>
+        </p:spPr>
+        <p:style>
+          <a:lnRef idx="2">
+            <a:schemeClr val="accent3"/>
+          </a:lnRef>
+          <a:fillRef idx="1">
+            <a:schemeClr val="lt1"/>
+          </a:fillRef>
+          <a:effectRef idx="0">
+            <a:schemeClr val="accent3"/>
+          </a:effectRef>
+          <a:fontRef idx="minor">
+            <a:schemeClr val="dk1"/>
+          </a:fontRef>
+        </p:style>
+        <p:txBody>
+          <a:bodyPr rtlCol="0" anchor="ctr"/>
+          <a:lstStyle/>
+          <a:p>
+            <a:pPr algn="ctr"/>
+            <a:r>
+              <a:rPr lang="en-US" sz="1050" dirty="0"/>
+              <a:t>EC2-1</a:t>
+            </a:r>
+          </a:p>
+        </p:txBody>
+      </p:sp>
+      <p:grpSp>
+        <p:nvGrpSpPr>
+          <p:cNvPr id="51" name="Group 50">
+            <a:extLst>
+              <a:ext uri="{FF2B5EF4-FFF2-40B4-BE49-F238E27FC236}">
+                <a16:creationId xmlns:a16="http://schemas.microsoft.com/office/drawing/2014/main" id="{EBAEEB8C-17F5-33C3-765D-7A7158C16088}"/>
+              </a:ext>
+            </a:extLst>
+          </p:cNvPr>
+          <p:cNvGrpSpPr/>
+          <p:nvPr/>
+        </p:nvGrpSpPr>
+        <p:grpSpPr>
+          <a:xfrm>
+            <a:off x="1964668" y="1124220"/>
+            <a:ext cx="2900080" cy="1990163"/>
+            <a:chOff x="3523129" y="3182471"/>
+            <a:chExt cx="4025153" cy="1990163"/>
+          </a:xfrm>
+          <a:noFill/>
+        </p:grpSpPr>
+        <p:sp>
+          <p:nvSpPr>
+            <p:cNvPr id="53" name="Rectangle 52">
+              <a:extLst>
+                <a:ext uri="{FF2B5EF4-FFF2-40B4-BE49-F238E27FC236}">
+                  <a16:creationId xmlns:a16="http://schemas.microsoft.com/office/drawing/2014/main" id="{6F89EE1B-59DF-FD62-2E9E-FE32A494843C}"/>
+                </a:ext>
+              </a:extLst>
+            </p:cNvPr>
+            <p:cNvSpPr/>
+            <p:nvPr/>
+          </p:nvSpPr>
+          <p:spPr>
+            <a:xfrm>
+              <a:off x="3523129" y="3182471"/>
+              <a:ext cx="4025153" cy="1990163"/>
+            </a:xfrm>
+            <a:prstGeom prst="rect">
+              <a:avLst/>
+            </a:prstGeom>
+            <a:grpFill/>
+            <a:ln>
+              <a:solidFill>
+                <a:schemeClr val="accent1"/>
+              </a:solidFill>
+              <a:prstDash val="dash"/>
+            </a:ln>
+          </p:spPr>
+          <p:style>
+            <a:lnRef idx="2">
+              <a:schemeClr val="dk1"/>
+            </a:lnRef>
+            <a:fillRef idx="1">
+              <a:schemeClr val="lt1"/>
+            </a:fillRef>
+            <a:effectRef idx="0">
+              <a:schemeClr val="dk1"/>
+            </a:effectRef>
+            <a:fontRef idx="minor">
+              <a:schemeClr val="dk1"/>
+            </a:fontRef>
+          </p:style>
+          <p:txBody>
+            <a:bodyPr rtlCol="0" anchor="ctr"/>
+            <a:lstStyle/>
+            <a:p>
+              <a:pPr algn="ctr"/>
+              <a:endParaRPr lang="en-US" dirty="0"/>
+            </a:p>
+          </p:txBody>
+        </p:sp>
+        <p:sp>
+          <p:nvSpPr>
+            <p:cNvPr id="54" name="TextBox 53">
+              <a:extLst>
+                <a:ext uri="{FF2B5EF4-FFF2-40B4-BE49-F238E27FC236}">
+                  <a16:creationId xmlns:a16="http://schemas.microsoft.com/office/drawing/2014/main" id="{14D4228B-F0A7-6835-B6DA-59594E33CCC9}"/>
+                </a:ext>
+              </a:extLst>
+            </p:cNvPr>
+            <p:cNvSpPr txBox="1"/>
+            <p:nvPr/>
+          </p:nvSpPr>
+          <p:spPr>
+            <a:xfrm>
+              <a:off x="3523129" y="3205334"/>
+              <a:ext cx="476412" cy="276999"/>
+            </a:xfrm>
+            <a:prstGeom prst="rect">
+              <a:avLst/>
+            </a:prstGeom>
+            <a:grpFill/>
+          </p:spPr>
+          <p:txBody>
+            <a:bodyPr wrap="none" rtlCol="0">
+              <a:spAutoFit/>
+            </a:bodyPr>
+            <a:lstStyle/>
+            <a:p>
+              <a:r>
+                <a:rPr lang="en-US" sz="1200" b="1" dirty="0"/>
+                <a:t>AZ-1</a:t>
+              </a:r>
+            </a:p>
+          </p:txBody>
+        </p:sp>
+      </p:grpSp>
+      <p:grpSp>
+        <p:nvGrpSpPr>
+          <p:cNvPr id="55" name="Group 54">
+            <a:extLst>
+              <a:ext uri="{FF2B5EF4-FFF2-40B4-BE49-F238E27FC236}">
+                <a16:creationId xmlns:a16="http://schemas.microsoft.com/office/drawing/2014/main" id="{61BF8D34-D2FC-725B-BB0F-89AD30D7F253}"/>
+              </a:ext>
+            </a:extLst>
+          </p:cNvPr>
+          <p:cNvGrpSpPr/>
+          <p:nvPr/>
+        </p:nvGrpSpPr>
+        <p:grpSpPr>
+          <a:xfrm>
+            <a:off x="1982597" y="3992926"/>
+            <a:ext cx="2900080" cy="1990163"/>
+            <a:chOff x="3523129" y="3182471"/>
+            <a:chExt cx="4025153" cy="1990163"/>
+          </a:xfrm>
+          <a:noFill/>
+        </p:grpSpPr>
+        <p:sp>
+          <p:nvSpPr>
+            <p:cNvPr id="56" name="Rectangle 55">
+              <a:extLst>
+                <a:ext uri="{FF2B5EF4-FFF2-40B4-BE49-F238E27FC236}">
+                  <a16:creationId xmlns:a16="http://schemas.microsoft.com/office/drawing/2014/main" id="{100A6A00-0D5A-D777-2808-174094C02693}"/>
+                </a:ext>
+              </a:extLst>
+            </p:cNvPr>
+            <p:cNvSpPr/>
+            <p:nvPr/>
+          </p:nvSpPr>
+          <p:spPr>
+            <a:xfrm>
+              <a:off x="3523129" y="3182471"/>
+              <a:ext cx="4025153" cy="1990163"/>
+            </a:xfrm>
+            <a:prstGeom prst="rect">
+              <a:avLst/>
+            </a:prstGeom>
+            <a:grpFill/>
+            <a:ln>
+              <a:solidFill>
+                <a:schemeClr val="accent1"/>
+              </a:solidFill>
+              <a:prstDash val="dash"/>
+            </a:ln>
+          </p:spPr>
+          <p:style>
+            <a:lnRef idx="2">
+              <a:schemeClr val="dk1"/>
+            </a:lnRef>
+            <a:fillRef idx="1">
+              <a:schemeClr val="lt1"/>
+            </a:fillRef>
+            <a:effectRef idx="0">
+              <a:schemeClr val="dk1"/>
+            </a:effectRef>
+            <a:fontRef idx="minor">
+              <a:schemeClr val="dk1"/>
+            </a:fontRef>
+          </p:style>
+          <p:txBody>
+            <a:bodyPr rtlCol="0" anchor="ctr"/>
+            <a:lstStyle/>
+            <a:p>
+              <a:pPr algn="ctr"/>
+              <a:endParaRPr lang="en-US" dirty="0"/>
+            </a:p>
+          </p:txBody>
+        </p:sp>
+        <p:sp>
+          <p:nvSpPr>
+            <p:cNvPr id="57" name="TextBox 56">
+              <a:extLst>
+                <a:ext uri="{FF2B5EF4-FFF2-40B4-BE49-F238E27FC236}">
+                  <a16:creationId xmlns:a16="http://schemas.microsoft.com/office/drawing/2014/main" id="{5CBCBD93-5E62-DD52-AB00-342DD157F64B}"/>
+                </a:ext>
+              </a:extLst>
+            </p:cNvPr>
+            <p:cNvSpPr txBox="1"/>
+            <p:nvPr/>
+          </p:nvSpPr>
+          <p:spPr>
+            <a:xfrm>
+              <a:off x="3523129" y="3205334"/>
+              <a:ext cx="476412" cy="276999"/>
+            </a:xfrm>
+            <a:prstGeom prst="rect">
+              <a:avLst/>
+            </a:prstGeom>
+            <a:grpFill/>
+          </p:spPr>
+          <p:txBody>
+            <a:bodyPr wrap="none" rtlCol="0">
+              <a:spAutoFit/>
+            </a:bodyPr>
+            <a:lstStyle/>
+            <a:p>
+              <a:r>
+                <a:rPr lang="en-US" sz="1200" b="1" dirty="0"/>
+                <a:t>AZ-2</a:t>
+              </a:r>
+            </a:p>
+          </p:txBody>
+        </p:sp>
+      </p:grpSp>
+      <p:sp>
+        <p:nvSpPr>
+          <p:cNvPr id="58" name="Rectangle: Rounded Corners 57">
+            <a:extLst>
+              <a:ext uri="{FF2B5EF4-FFF2-40B4-BE49-F238E27FC236}">
+                <a16:creationId xmlns:a16="http://schemas.microsoft.com/office/drawing/2014/main" id="{75315FA7-3B53-7FFB-C7D9-D3CED617AC93}"/>
+              </a:ext>
+            </a:extLst>
+          </p:cNvPr>
+          <p:cNvSpPr/>
+          <p:nvPr/>
+        </p:nvSpPr>
+        <p:spPr>
+          <a:xfrm>
+            <a:off x="2454201" y="5194652"/>
+            <a:ext cx="1210236" cy="322728"/>
+          </a:xfrm>
+          <a:prstGeom prst="roundRect">
+            <a:avLst/>
+          </a:prstGeom>
+        </p:spPr>
+        <p:style>
+          <a:lnRef idx="2">
+            <a:schemeClr val="accent3"/>
+          </a:lnRef>
+          <a:fillRef idx="1">
+            <a:schemeClr val="lt1"/>
+          </a:fillRef>
+          <a:effectRef idx="0">
+            <a:schemeClr val="accent3"/>
+          </a:effectRef>
+          <a:fontRef idx="minor">
+            <a:schemeClr val="dk1"/>
+          </a:fontRef>
+        </p:style>
+        <p:txBody>
+          <a:bodyPr rtlCol="0" anchor="ctr"/>
+          <a:lstStyle/>
+          <a:p>
+            <a:pPr algn="ctr"/>
+            <a:r>
+              <a:rPr lang="en-US" sz="1050" dirty="0"/>
+              <a:t>EC2-2</a:t>
+            </a:r>
+          </a:p>
+        </p:txBody>
+      </p:sp>
+      <p:cxnSp>
+        <p:nvCxnSpPr>
+          <p:cNvPr id="59" name="Connector: Elbow 58">
+            <a:extLst>
+              <a:ext uri="{FF2B5EF4-FFF2-40B4-BE49-F238E27FC236}">
+                <a16:creationId xmlns:a16="http://schemas.microsoft.com/office/drawing/2014/main" id="{97E5520D-D21C-053B-7291-F4EA293AFD49}"/>
+              </a:ext>
+            </a:extLst>
+          </p:cNvPr>
+          <p:cNvCxnSpPr>
+            <a:cxnSpLocks/>
+            <a:stCxn id="49" idx="0"/>
+            <a:endCxn id="50" idx="2"/>
+          </p:cNvCxnSpPr>
+          <p:nvPr/>
+        </p:nvCxnSpPr>
+        <p:spPr>
+          <a:xfrm rot="5400000" flipH="1" flipV="1">
+            <a:off x="2162361" y="2538254"/>
+            <a:ext cx="1406012" cy="352045"/>
+          </a:xfrm>
+          <a:prstGeom prst="bentConnector3">
+            <a:avLst>
+              <a:gd name="adj1" fmla="val 28959"/>
+            </a:avLst>
+          </a:prstGeom>
+          <a:ln>
+            <a:tailEnd type="triangle"/>
+          </a:ln>
+        </p:spPr>
+        <p:style>
+          <a:lnRef idx="1">
+            <a:schemeClr val="accent3"/>
+          </a:lnRef>
+          <a:fillRef idx="0">
+            <a:schemeClr val="accent3"/>
+          </a:fillRef>
+          <a:effectRef idx="0">
+            <a:schemeClr val="accent3"/>
+          </a:effectRef>
+          <a:fontRef idx="minor">
+            <a:schemeClr val="tx1"/>
+          </a:fontRef>
+        </p:style>
+      </p:cxnSp>
+      <p:sp>
+        <p:nvSpPr>
+          <p:cNvPr id="60" name="Rectangle: Rounded Corners 59">
+            <a:extLst>
+              <a:ext uri="{FF2B5EF4-FFF2-40B4-BE49-F238E27FC236}">
+                <a16:creationId xmlns:a16="http://schemas.microsoft.com/office/drawing/2014/main" id="{8236B49A-F8CB-1D87-6DD2-F6B9FBFB04C1}"/>
+              </a:ext>
+            </a:extLst>
+          </p:cNvPr>
+          <p:cNvSpPr/>
+          <p:nvPr/>
+        </p:nvSpPr>
+        <p:spPr>
+          <a:xfrm>
+            <a:off x="2436272" y="2240098"/>
+            <a:ext cx="1210236" cy="322728"/>
+          </a:xfrm>
+          <a:prstGeom prst="roundRect">
+            <a:avLst/>
+          </a:prstGeom>
+        </p:spPr>
+        <p:style>
+          <a:lnRef idx="2">
+            <a:schemeClr val="accent3"/>
+          </a:lnRef>
+          <a:fillRef idx="1">
+            <a:schemeClr val="lt1"/>
+          </a:fillRef>
+          <a:effectRef idx="0">
+            <a:schemeClr val="accent3"/>
+          </a:effectRef>
+          <a:fontRef idx="minor">
+            <a:schemeClr val="dk1"/>
+          </a:fontRef>
+        </p:style>
+        <p:txBody>
+          <a:bodyPr rtlCol="0" anchor="ctr"/>
+          <a:lstStyle/>
+          <a:p>
+            <a:pPr algn="ctr"/>
+            <a:r>
+              <a:rPr lang="en-US" sz="1050" dirty="0"/>
+              <a:t>EC2-2</a:t>
+            </a:r>
+          </a:p>
+        </p:txBody>
+      </p:sp>
+      <p:cxnSp>
+        <p:nvCxnSpPr>
+          <p:cNvPr id="61" name="Connector: Elbow 60">
+            <a:extLst>
+              <a:ext uri="{FF2B5EF4-FFF2-40B4-BE49-F238E27FC236}">
+                <a16:creationId xmlns:a16="http://schemas.microsoft.com/office/drawing/2014/main" id="{FD58CAF1-BE5D-F65A-FFE7-3A0E95300EE1}"/>
+              </a:ext>
+            </a:extLst>
+          </p:cNvPr>
+          <p:cNvCxnSpPr>
+            <a:cxnSpLocks/>
+            <a:stCxn id="49" idx="0"/>
+            <a:endCxn id="60" idx="2"/>
+          </p:cNvCxnSpPr>
+          <p:nvPr/>
+        </p:nvCxnSpPr>
+        <p:spPr>
+          <a:xfrm rot="5400000" flipH="1" flipV="1">
+            <a:off x="2438139" y="2814032"/>
+            <a:ext cx="854456" cy="352045"/>
+          </a:xfrm>
+          <a:prstGeom prst="bentConnector3">
+            <a:avLst>
+              <a:gd name="adj1" fmla="val 50000"/>
+            </a:avLst>
+          </a:prstGeom>
+          <a:ln>
+            <a:tailEnd type="triangle"/>
+          </a:ln>
+        </p:spPr>
+        <p:style>
+          <a:lnRef idx="1">
+            <a:schemeClr val="accent3"/>
+          </a:lnRef>
+          <a:fillRef idx="0">
+            <a:schemeClr val="accent3"/>
+          </a:fillRef>
+          <a:effectRef idx="0">
+            <a:schemeClr val="accent3"/>
+          </a:effectRef>
+          <a:fontRef idx="minor">
+            <a:schemeClr val="tx1"/>
+          </a:fontRef>
+        </p:style>
+      </p:cxnSp>
+      <p:cxnSp>
+        <p:nvCxnSpPr>
+          <p:cNvPr id="62" name="Connector: Elbow 61">
+            <a:extLst>
+              <a:ext uri="{FF2B5EF4-FFF2-40B4-BE49-F238E27FC236}">
+                <a16:creationId xmlns:a16="http://schemas.microsoft.com/office/drawing/2014/main" id="{FF6497F6-A077-A98D-012D-FF3C2762A658}"/>
+              </a:ext>
+            </a:extLst>
+          </p:cNvPr>
+          <p:cNvCxnSpPr>
+            <a:cxnSpLocks/>
+            <a:stCxn id="49" idx="2"/>
+            <a:endCxn id="64" idx="0"/>
+          </p:cNvCxnSpPr>
+          <p:nvPr/>
+        </p:nvCxnSpPr>
+        <p:spPr>
+          <a:xfrm rot="16200000" flipH="1">
+            <a:off x="2422789" y="4006566"/>
+            <a:ext cx="903086" cy="369974"/>
+          </a:xfrm>
+          <a:prstGeom prst="bentConnector3">
+            <a:avLst>
+              <a:gd name="adj1" fmla="val 50000"/>
+            </a:avLst>
+          </a:prstGeom>
+          <a:ln>
+            <a:tailEnd type="triangle"/>
+          </a:ln>
+        </p:spPr>
+        <p:style>
+          <a:lnRef idx="1">
+            <a:schemeClr val="accent3"/>
+          </a:lnRef>
+          <a:fillRef idx="0">
+            <a:schemeClr val="accent3"/>
+          </a:fillRef>
+          <a:effectRef idx="0">
+            <a:schemeClr val="accent3"/>
+          </a:effectRef>
+          <a:fontRef idx="minor">
+            <a:schemeClr val="tx1"/>
+          </a:fontRef>
+        </p:style>
+      </p:cxnSp>
+      <p:cxnSp>
+        <p:nvCxnSpPr>
+          <p:cNvPr id="63" name="Connector: Elbow 62">
+            <a:extLst>
+              <a:ext uri="{FF2B5EF4-FFF2-40B4-BE49-F238E27FC236}">
+                <a16:creationId xmlns:a16="http://schemas.microsoft.com/office/drawing/2014/main" id="{99C9B161-EFC9-347D-B22B-35BD17E1C768}"/>
+              </a:ext>
+            </a:extLst>
+          </p:cNvPr>
+          <p:cNvCxnSpPr>
+            <a:cxnSpLocks/>
+            <a:stCxn id="49" idx="2"/>
+            <a:endCxn id="58" idx="0"/>
+          </p:cNvCxnSpPr>
+          <p:nvPr/>
+        </p:nvCxnSpPr>
+        <p:spPr>
+          <a:xfrm rot="16200000" flipH="1">
+            <a:off x="2147011" y="4282344"/>
+            <a:ext cx="1454642" cy="369974"/>
+          </a:xfrm>
+          <a:prstGeom prst="bentConnector3">
+            <a:avLst>
+              <a:gd name="adj1" fmla="val 31512"/>
+            </a:avLst>
+          </a:prstGeom>
+          <a:ln>
+            <a:tailEnd type="triangle"/>
+          </a:ln>
+        </p:spPr>
+        <p:style>
+          <a:lnRef idx="1">
+            <a:schemeClr val="accent3"/>
+          </a:lnRef>
+          <a:fillRef idx="0">
+            <a:schemeClr val="accent3"/>
+          </a:fillRef>
+          <a:effectRef idx="0">
+            <a:schemeClr val="accent3"/>
+          </a:effectRef>
+          <a:fontRef idx="minor">
+            <a:schemeClr val="tx1"/>
+          </a:fontRef>
+        </p:style>
+      </p:cxnSp>
+      <p:sp>
+        <p:nvSpPr>
+          <p:cNvPr id="64" name="Rectangle: Rounded Corners 63">
+            <a:extLst>
+              <a:ext uri="{FF2B5EF4-FFF2-40B4-BE49-F238E27FC236}">
+                <a16:creationId xmlns:a16="http://schemas.microsoft.com/office/drawing/2014/main" id="{BFE379A3-7175-DEFA-3091-4BD5D9A1E97B}"/>
+              </a:ext>
+            </a:extLst>
+          </p:cNvPr>
+          <p:cNvSpPr/>
+          <p:nvPr/>
+        </p:nvSpPr>
+        <p:spPr>
+          <a:xfrm>
+            <a:off x="2454201" y="4643096"/>
+            <a:ext cx="1210236" cy="322728"/>
+          </a:xfrm>
+          <a:prstGeom prst="roundRect">
+            <a:avLst/>
+          </a:prstGeom>
+        </p:spPr>
+        <p:style>
+          <a:lnRef idx="2">
+            <a:schemeClr val="accent3"/>
+          </a:lnRef>
+          <a:fillRef idx="1">
+            <a:schemeClr val="lt1"/>
+          </a:fillRef>
+          <a:effectRef idx="0">
+            <a:schemeClr val="accent3"/>
+          </a:effectRef>
+          <a:fontRef idx="minor">
+            <a:schemeClr val="dk1"/>
+          </a:fontRef>
+        </p:style>
+        <p:txBody>
+          <a:bodyPr rtlCol="0" anchor="ctr"/>
+          <a:lstStyle/>
+          <a:p>
+            <a:pPr algn="ctr"/>
+            <a:r>
+              <a:rPr lang="en-US" sz="1050" dirty="0"/>
+              <a:t>EC2-1</a:t>
+            </a:r>
+          </a:p>
+        </p:txBody>
+      </p:sp>
+      <p:sp>
+        <p:nvSpPr>
+          <p:cNvPr id="68" name="TextBox 67">
+            <a:extLst>
+              <a:ext uri="{FF2B5EF4-FFF2-40B4-BE49-F238E27FC236}">
+                <a16:creationId xmlns:a16="http://schemas.microsoft.com/office/drawing/2014/main" id="{CEE568F8-5A65-6274-702C-748557523C04}"/>
+              </a:ext>
+            </a:extLst>
+          </p:cNvPr>
+          <p:cNvSpPr txBox="1"/>
+          <p:nvPr/>
+        </p:nvSpPr>
+        <p:spPr>
+          <a:xfrm>
+            <a:off x="3003402" y="647319"/>
+            <a:ext cx="720959" cy="230832"/>
+          </a:xfrm>
+          <a:prstGeom prst="rect">
+            <a:avLst/>
+          </a:prstGeom>
+          <a:solidFill>
+            <a:schemeClr val="bg2"/>
+          </a:solidFill>
+        </p:spPr>
+        <p:txBody>
+          <a:bodyPr wrap="square" rtlCol="0">
+            <a:spAutoFit/>
+          </a:bodyPr>
+          <a:lstStyle/>
+          <a:p>
+            <a:r>
+              <a:rPr lang="en-US" sz="900" b="1" dirty="0"/>
+              <a:t>Web Layer</a:t>
+            </a:r>
+          </a:p>
+        </p:txBody>
+      </p:sp>
+      <p:cxnSp>
+        <p:nvCxnSpPr>
+          <p:cNvPr id="71" name="Straight Arrow Connector 70">
+            <a:extLst>
+              <a:ext uri="{FF2B5EF4-FFF2-40B4-BE49-F238E27FC236}">
+                <a16:creationId xmlns:a16="http://schemas.microsoft.com/office/drawing/2014/main" id="{8D348317-9B64-5844-7E7B-EE0C818F9035}"/>
+              </a:ext>
+            </a:extLst>
+          </p:cNvPr>
+          <p:cNvCxnSpPr>
+            <a:cxnSpLocks/>
+            <a:stCxn id="4" idx="3"/>
+            <a:endCxn id="49" idx="1"/>
+          </p:cNvCxnSpPr>
+          <p:nvPr/>
+        </p:nvCxnSpPr>
+        <p:spPr>
+          <a:xfrm>
+            <a:off x="1289935" y="3573692"/>
+            <a:ext cx="1096162" cy="4954"/>
+          </a:xfrm>
+          <a:prstGeom prst="straightConnector1">
+            <a:avLst/>
+          </a:prstGeom>
+          <a:ln>
+            <a:tailEnd type="triangle"/>
+          </a:ln>
+        </p:spPr>
+        <p:style>
+          <a:lnRef idx="1">
+            <a:schemeClr val="accent3"/>
+          </a:lnRef>
+          <a:fillRef idx="0">
+            <a:schemeClr val="accent3"/>
+          </a:fillRef>
+          <a:effectRef idx="0">
+            <a:schemeClr val="accent3"/>
+          </a:effectRef>
+          <a:fontRef idx="minor">
+            <a:schemeClr val="tx1"/>
+          </a:fontRef>
+        </p:style>
+      </p:cxnSp>
+      <p:sp>
+        <p:nvSpPr>
+          <p:cNvPr id="74" name="Rectangle: Rounded Corners 73">
+            <a:extLst>
+              <a:ext uri="{FF2B5EF4-FFF2-40B4-BE49-F238E27FC236}">
+                <a16:creationId xmlns:a16="http://schemas.microsoft.com/office/drawing/2014/main" id="{094052B8-1595-5193-57D4-506016AC5A8B}"/>
+              </a:ext>
+            </a:extLst>
+          </p:cNvPr>
+          <p:cNvSpPr/>
+          <p:nvPr/>
+        </p:nvSpPr>
+        <p:spPr>
+          <a:xfrm>
+            <a:off x="5023999" y="3429000"/>
+            <a:ext cx="634403" cy="327989"/>
+          </a:xfrm>
+          <a:prstGeom prst="roundRect">
+            <a:avLst/>
+          </a:prstGeom>
+        </p:spPr>
+        <p:style>
+          <a:lnRef idx="2">
+            <a:schemeClr val="accent3"/>
+          </a:lnRef>
+          <a:fillRef idx="1">
+            <a:schemeClr val="lt1"/>
+          </a:fillRef>
+          <a:effectRef idx="0">
+            <a:schemeClr val="accent3"/>
+          </a:effectRef>
+          <a:fontRef idx="minor">
+            <a:schemeClr val="dk1"/>
+          </a:fontRef>
+        </p:style>
+        <p:txBody>
+          <a:bodyPr rtlCol="0" anchor="ctr"/>
+          <a:lstStyle/>
+          <a:p>
+            <a:pPr algn="ctr"/>
+            <a:r>
+              <a:rPr lang="en-US" sz="1050" dirty="0"/>
+              <a:t>ALB</a:t>
+            </a:r>
+          </a:p>
+        </p:txBody>
+      </p:sp>
+      <p:cxnSp>
+        <p:nvCxnSpPr>
+          <p:cNvPr id="75" name="Straight Arrow Connector 74">
+            <a:extLst>
+              <a:ext uri="{FF2B5EF4-FFF2-40B4-BE49-F238E27FC236}">
+                <a16:creationId xmlns:a16="http://schemas.microsoft.com/office/drawing/2014/main" id="{6BD84ECE-8F7E-3B6C-2563-9F5A71BB9157}"/>
+              </a:ext>
+            </a:extLst>
+          </p:cNvPr>
+          <p:cNvCxnSpPr>
+            <a:cxnSpLocks/>
+            <a:stCxn id="74" idx="3"/>
+            <a:endCxn id="5" idx="1"/>
+          </p:cNvCxnSpPr>
+          <p:nvPr/>
+        </p:nvCxnSpPr>
+        <p:spPr>
+          <a:xfrm>
+            <a:off x="5658402" y="3592995"/>
+            <a:ext cx="432575" cy="12073"/>
+          </a:xfrm>
+          <a:prstGeom prst="straightConnector1">
+            <a:avLst/>
+          </a:prstGeom>
+          <a:ln>
+            <a:tailEnd type="triangle"/>
+          </a:ln>
+        </p:spPr>
+        <p:style>
+          <a:lnRef idx="1">
+            <a:schemeClr val="accent3"/>
+          </a:lnRef>
+          <a:fillRef idx="0">
+            <a:schemeClr val="accent3"/>
+          </a:fillRef>
+          <a:effectRef idx="0">
+            <a:schemeClr val="accent3"/>
+          </a:effectRef>
+          <a:fontRef idx="minor">
+            <a:schemeClr val="tx1"/>
+          </a:fontRef>
+        </p:style>
+      </p:cxnSp>
+      <p:cxnSp>
+        <p:nvCxnSpPr>
+          <p:cNvPr id="90" name="Connector: Elbow 89">
+            <a:extLst>
+              <a:ext uri="{FF2B5EF4-FFF2-40B4-BE49-F238E27FC236}">
+                <a16:creationId xmlns:a16="http://schemas.microsoft.com/office/drawing/2014/main" id="{2B17CD6F-4BAA-D858-7280-A06A17C8B645}"/>
+              </a:ext>
+            </a:extLst>
+          </p:cNvPr>
+          <p:cNvCxnSpPr>
+            <a:stCxn id="50" idx="3"/>
+            <a:endCxn id="74" idx="1"/>
+          </p:cNvCxnSpPr>
+          <p:nvPr/>
+        </p:nvCxnSpPr>
+        <p:spPr>
+          <a:xfrm>
+            <a:off x="3646508" y="1849906"/>
+            <a:ext cx="1377491" cy="1743089"/>
+          </a:xfrm>
+          <a:prstGeom prst="bentConnector3">
+            <a:avLst/>
+          </a:prstGeom>
+          <a:ln>
+            <a:tailEnd type="triangle"/>
+          </a:ln>
+        </p:spPr>
+        <p:style>
+          <a:lnRef idx="1">
+            <a:schemeClr val="accent3"/>
+          </a:lnRef>
+          <a:fillRef idx="0">
+            <a:schemeClr val="accent3"/>
+          </a:fillRef>
+          <a:effectRef idx="0">
+            <a:schemeClr val="accent3"/>
+          </a:effectRef>
+          <a:fontRef idx="minor">
+            <a:schemeClr val="tx1"/>
+          </a:fontRef>
+        </p:style>
+      </p:cxnSp>
+      <p:cxnSp>
+        <p:nvCxnSpPr>
+          <p:cNvPr id="92" name="Connector: Elbow 91">
+            <a:extLst>
+              <a:ext uri="{FF2B5EF4-FFF2-40B4-BE49-F238E27FC236}">
+                <a16:creationId xmlns:a16="http://schemas.microsoft.com/office/drawing/2014/main" id="{A341D24E-7EF1-0AD7-4213-9B9293FDAC94}"/>
+              </a:ext>
+            </a:extLst>
+          </p:cNvPr>
+          <p:cNvCxnSpPr>
+            <a:stCxn id="60" idx="3"/>
+            <a:endCxn id="74" idx="1"/>
+          </p:cNvCxnSpPr>
+          <p:nvPr/>
+        </p:nvCxnSpPr>
+        <p:spPr>
+          <a:xfrm>
+            <a:off x="3646508" y="2401462"/>
+            <a:ext cx="1377491" cy="1191533"/>
+          </a:xfrm>
+          <a:prstGeom prst="bentConnector3">
+            <a:avLst/>
+          </a:prstGeom>
+          <a:ln>
+            <a:tailEnd type="triangle"/>
+          </a:ln>
+        </p:spPr>
+        <p:style>
+          <a:lnRef idx="1">
+            <a:schemeClr val="accent3"/>
+          </a:lnRef>
+          <a:fillRef idx="0">
+            <a:schemeClr val="accent3"/>
+          </a:fillRef>
+          <a:effectRef idx="0">
+            <a:schemeClr val="accent3"/>
+          </a:effectRef>
+          <a:fontRef idx="minor">
+            <a:schemeClr val="tx1"/>
+          </a:fontRef>
+        </p:style>
+      </p:cxnSp>
+      <p:cxnSp>
+        <p:nvCxnSpPr>
+          <p:cNvPr id="94" name="Connector: Elbow 93">
+            <a:extLst>
+              <a:ext uri="{FF2B5EF4-FFF2-40B4-BE49-F238E27FC236}">
+                <a16:creationId xmlns:a16="http://schemas.microsoft.com/office/drawing/2014/main" id="{A6739274-C81B-420E-6BE0-23890A4E998B}"/>
+              </a:ext>
+            </a:extLst>
+          </p:cNvPr>
+          <p:cNvCxnSpPr>
+            <a:stCxn id="64" idx="3"/>
+            <a:endCxn id="74" idx="1"/>
+          </p:cNvCxnSpPr>
+          <p:nvPr/>
+        </p:nvCxnSpPr>
+        <p:spPr>
+          <a:xfrm flipV="1">
+            <a:off x="3664437" y="3592995"/>
+            <a:ext cx="1359562" cy="1211465"/>
+          </a:xfrm>
+          <a:prstGeom prst="bentConnector3">
+            <a:avLst/>
+          </a:prstGeom>
+          <a:ln>
+            <a:tailEnd type="triangle"/>
+          </a:ln>
+        </p:spPr>
+        <p:style>
+          <a:lnRef idx="1">
+            <a:schemeClr val="accent3"/>
+          </a:lnRef>
+          <a:fillRef idx="0">
+            <a:schemeClr val="accent3"/>
+          </a:fillRef>
+          <a:effectRef idx="0">
+            <a:schemeClr val="accent3"/>
+          </a:effectRef>
+          <a:fontRef idx="minor">
+            <a:schemeClr val="tx1"/>
+          </a:fontRef>
+        </p:style>
+      </p:cxnSp>
+      <p:cxnSp>
+        <p:nvCxnSpPr>
+          <p:cNvPr id="96" name="Connector: Elbow 95">
+            <a:extLst>
+              <a:ext uri="{FF2B5EF4-FFF2-40B4-BE49-F238E27FC236}">
+                <a16:creationId xmlns:a16="http://schemas.microsoft.com/office/drawing/2014/main" id="{51F4A577-C1BF-81D7-1742-FAE9AA024FDB}"/>
+              </a:ext>
+            </a:extLst>
+          </p:cNvPr>
+          <p:cNvCxnSpPr>
+            <a:stCxn id="58" idx="3"/>
+            <a:endCxn id="74" idx="1"/>
+          </p:cNvCxnSpPr>
+          <p:nvPr/>
+        </p:nvCxnSpPr>
+        <p:spPr>
+          <a:xfrm flipV="1">
+            <a:off x="3664437" y="3592995"/>
+            <a:ext cx="1359562" cy="1763021"/>
+          </a:xfrm>
+          <a:prstGeom prst="bentConnector3">
+            <a:avLst/>
+          </a:prstGeom>
+          <a:ln>
+            <a:tailEnd type="triangle"/>
+          </a:ln>
+        </p:spPr>
+        <p:style>
+          <a:lnRef idx="1">
+            <a:schemeClr val="accent3"/>
+          </a:lnRef>
+          <a:fillRef idx="0">
+            <a:schemeClr val="accent3"/>
+          </a:fillRef>
+          <a:effectRef idx="0">
+            <a:schemeClr val="accent3"/>
+          </a:effectRef>
+          <a:fontRef idx="minor">
+            <a:schemeClr val="tx1"/>
+          </a:fontRef>
+        </p:style>
+      </p:cxnSp>
+      <p:sp>
+        <p:nvSpPr>
+          <p:cNvPr id="138" name="Rectangle: Rounded Corners 137">
+            <a:extLst>
+              <a:ext uri="{FF2B5EF4-FFF2-40B4-BE49-F238E27FC236}">
+                <a16:creationId xmlns:a16="http://schemas.microsoft.com/office/drawing/2014/main" id="{FAA51C4F-6843-E0F7-B392-9424AED6EB47}"/>
+              </a:ext>
+            </a:extLst>
+          </p:cNvPr>
+          <p:cNvSpPr/>
+          <p:nvPr/>
+        </p:nvSpPr>
+        <p:spPr>
+          <a:xfrm>
+            <a:off x="7892790" y="3429000"/>
+            <a:ext cx="681625" cy="322728"/>
+          </a:xfrm>
+          <a:prstGeom prst="roundRect">
+            <a:avLst/>
+          </a:prstGeom>
+        </p:spPr>
+        <p:style>
+          <a:lnRef idx="2">
+            <a:schemeClr val="accent3"/>
+          </a:lnRef>
+          <a:fillRef idx="1">
+            <a:schemeClr val="lt1"/>
+          </a:fillRef>
+          <a:effectRef idx="0">
+            <a:schemeClr val="accent3"/>
+          </a:effectRef>
+          <a:fontRef idx="minor">
+            <a:schemeClr val="dk1"/>
+          </a:fontRef>
+        </p:style>
+        <p:txBody>
+          <a:bodyPr rtlCol="0" anchor="ctr"/>
+          <a:lstStyle/>
+          <a:p>
+            <a:pPr algn="ctr"/>
+            <a:r>
+              <a:rPr lang="en-US" sz="900" dirty="0"/>
+              <a:t>DB Conn.</a:t>
+            </a:r>
+          </a:p>
+        </p:txBody>
+      </p:sp>
+      <p:cxnSp>
+        <p:nvCxnSpPr>
+          <p:cNvPr id="142" name="Connector: Elbow 141">
+            <a:extLst>
+              <a:ext uri="{FF2B5EF4-FFF2-40B4-BE49-F238E27FC236}">
+                <a16:creationId xmlns:a16="http://schemas.microsoft.com/office/drawing/2014/main" id="{1DF74BCF-4FCC-26AE-062C-070D77B058E7}"/>
+              </a:ext>
+            </a:extLst>
+          </p:cNvPr>
+          <p:cNvCxnSpPr>
+            <a:stCxn id="18" idx="3"/>
+            <a:endCxn id="138" idx="1"/>
+          </p:cNvCxnSpPr>
+          <p:nvPr/>
+        </p:nvCxnSpPr>
+        <p:spPr>
+          <a:xfrm flipV="1">
+            <a:off x="7190651" y="3590364"/>
+            <a:ext cx="702139" cy="1252164"/>
+          </a:xfrm>
+          <a:prstGeom prst="bentConnector3">
+            <a:avLst/>
+          </a:prstGeom>
+          <a:ln>
+            <a:tailEnd type="triangle"/>
+          </a:ln>
+        </p:spPr>
+        <p:style>
+          <a:lnRef idx="1">
+            <a:schemeClr val="accent3"/>
+          </a:lnRef>
+          <a:fillRef idx="0">
+            <a:schemeClr val="accent3"/>
+          </a:fillRef>
+          <a:effectRef idx="0">
+            <a:schemeClr val="accent3"/>
+          </a:effectRef>
+          <a:fontRef idx="minor">
+            <a:schemeClr val="tx1"/>
+          </a:fontRef>
+        </p:style>
+      </p:cxnSp>
+      <p:cxnSp>
+        <p:nvCxnSpPr>
+          <p:cNvPr id="144" name="Connector: Elbow 143">
+            <a:extLst>
+              <a:ext uri="{FF2B5EF4-FFF2-40B4-BE49-F238E27FC236}">
+                <a16:creationId xmlns:a16="http://schemas.microsoft.com/office/drawing/2014/main" id="{77A0DB2D-27AF-C9D8-7DB1-B199872BCFC0}"/>
+              </a:ext>
+            </a:extLst>
+          </p:cNvPr>
+          <p:cNvCxnSpPr>
+            <a:stCxn id="19" idx="3"/>
+            <a:endCxn id="138" idx="1"/>
+          </p:cNvCxnSpPr>
+          <p:nvPr/>
+        </p:nvCxnSpPr>
+        <p:spPr>
+          <a:xfrm flipV="1">
+            <a:off x="7190651" y="3590364"/>
+            <a:ext cx="702139" cy="1803720"/>
+          </a:xfrm>
+          <a:prstGeom prst="bentConnector3">
+            <a:avLst/>
+          </a:prstGeom>
+          <a:ln>
+            <a:tailEnd type="triangle"/>
+          </a:ln>
+        </p:spPr>
+        <p:style>
+          <a:lnRef idx="1">
+            <a:schemeClr val="accent3"/>
+          </a:lnRef>
+          <a:fillRef idx="0">
+            <a:schemeClr val="accent3"/>
+          </a:fillRef>
+          <a:effectRef idx="0">
+            <a:schemeClr val="accent3"/>
+          </a:effectRef>
+          <a:fontRef idx="minor">
+            <a:schemeClr val="tx1"/>
+          </a:fontRef>
+        </p:style>
+      </p:cxnSp>
+      <p:cxnSp>
+        <p:nvCxnSpPr>
+          <p:cNvPr id="146" name="Connector: Elbow 145">
+            <a:extLst>
+              <a:ext uri="{FF2B5EF4-FFF2-40B4-BE49-F238E27FC236}">
+                <a16:creationId xmlns:a16="http://schemas.microsoft.com/office/drawing/2014/main" id="{FF2E94D6-59D9-F9DC-CE6F-053417799B42}"/>
+              </a:ext>
+            </a:extLst>
+          </p:cNvPr>
+          <p:cNvCxnSpPr>
+            <a:cxnSpLocks/>
+            <a:stCxn id="138" idx="3"/>
+            <a:endCxn id="148" idx="1"/>
+          </p:cNvCxnSpPr>
+          <p:nvPr/>
+        </p:nvCxnSpPr>
+        <p:spPr>
+          <a:xfrm flipV="1">
+            <a:off x="8574415" y="2262515"/>
+            <a:ext cx="800642" cy="1327849"/>
+          </a:xfrm>
+          <a:prstGeom prst="bentConnector3">
+            <a:avLst/>
+          </a:prstGeom>
+          <a:ln>
+            <a:tailEnd type="triangle"/>
+          </a:ln>
+        </p:spPr>
+        <p:style>
+          <a:lnRef idx="1">
+            <a:schemeClr val="accent3"/>
+          </a:lnRef>
+          <a:fillRef idx="0">
+            <a:schemeClr val="accent3"/>
+          </a:fillRef>
+          <a:effectRef idx="0">
+            <a:schemeClr val="accent3"/>
+          </a:effectRef>
+          <a:fontRef idx="minor">
+            <a:schemeClr val="tx1"/>
+          </a:fontRef>
+        </p:style>
+      </p:cxnSp>
+      <p:sp>
+        <p:nvSpPr>
+          <p:cNvPr id="148" name="TextBox 147">
+            <a:extLst>
+              <a:ext uri="{FF2B5EF4-FFF2-40B4-BE49-F238E27FC236}">
+                <a16:creationId xmlns:a16="http://schemas.microsoft.com/office/drawing/2014/main" id="{4296E95F-FACD-771D-EC32-7544C233F8FD}"/>
+              </a:ext>
+            </a:extLst>
+          </p:cNvPr>
+          <p:cNvSpPr txBox="1"/>
+          <p:nvPr/>
+        </p:nvSpPr>
+        <p:spPr>
+          <a:xfrm>
+            <a:off x="9375057" y="2147099"/>
+            <a:ext cx="255198" cy="230832"/>
+          </a:xfrm>
+          <a:prstGeom prst="rect">
+            <a:avLst/>
+          </a:prstGeom>
+          <a:noFill/>
+        </p:spPr>
+        <p:txBody>
+          <a:bodyPr wrap="none" rtlCol="0">
+            <a:spAutoFit/>
+          </a:bodyPr>
+          <a:lstStyle/>
+          <a:p>
+            <a:r>
+              <a:rPr lang="en-US" sz="900" dirty="0"/>
+              <a:t>--</a:t>
+            </a:r>
+          </a:p>
+        </p:txBody>
+      </p:sp>
+    </p:spTree>
+    <p:extLst>
+      <p:ext uri="{BB962C8B-B14F-4D97-AF65-F5344CB8AC3E}">
+        <p14:creationId xmlns:p14="http://schemas.microsoft.com/office/powerpoint/2010/main" val="2920140696"/>
+      </p:ext>
+    </p:extLst>
+  </p:cSld>
+  <p:clrMapOvr>
+    <a:masterClrMapping/>
+  </p:clrMapOvr>
+</p:sld>
+</file>
+
 <file path=ppt/theme/theme1.xml><?xml version="1.0" encoding="utf-8"?>
 <a:theme xmlns:a="http://schemas.openxmlformats.org/drawingml/2006/main" name="Office Theme">
   <a:themeElements>

--- a/docs/AWS Architecture.pptx
+++ b/docs/AWS Architecture.pptx
@@ -7,6 +7,7 @@
   <p:sldIdLst>
     <p:sldId id="256" r:id="rId2"/>
     <p:sldId id="257" r:id="rId3"/>
+    <p:sldId id="258" r:id="rId4"/>
   </p:sldIdLst>
   <p:sldSz cx="12192000" cy="6858000"/>
   <p:notesSz cx="6858000" cy="9144000"/>
@@ -7273,6 +7274,1608 @@
 </p:sld>
 </file>
 
+<file path=ppt/slides/slide3.xml><?xml version="1.0" encoding="utf-8"?>
+<p:sld xmlns:a="http://schemas.openxmlformats.org/drawingml/2006/main" xmlns:r="http://schemas.openxmlformats.org/officeDocument/2006/relationships" xmlns:p="http://schemas.openxmlformats.org/presentationml/2006/main">
+  <p:cSld>
+    <p:spTree>
+      <p:nvGrpSpPr>
+        <p:cNvPr id="1" name=""/>
+        <p:cNvGrpSpPr/>
+        <p:nvPr/>
+      </p:nvGrpSpPr>
+      <p:grpSpPr>
+        <a:xfrm>
+          <a:off x="0" y="0"/>
+          <a:ext cx="0" cy="0"/>
+          <a:chOff x="0" y="0"/>
+          <a:chExt cx="0" cy="0"/>
+        </a:xfrm>
+      </p:grpSpPr>
+      <p:grpSp>
+        <p:nvGrpSpPr>
+          <p:cNvPr id="11" name="Group 10">
+            <a:extLst>
+              <a:ext uri="{FF2B5EF4-FFF2-40B4-BE49-F238E27FC236}">
+                <a16:creationId xmlns:a16="http://schemas.microsoft.com/office/drawing/2014/main" id="{2D2CF957-711A-680D-9988-E49DB528B75A}"/>
+              </a:ext>
+            </a:extLst>
+          </p:cNvPr>
+          <p:cNvGrpSpPr/>
+          <p:nvPr/>
+        </p:nvGrpSpPr>
+        <p:grpSpPr>
+          <a:xfrm>
+            <a:off x="236353" y="238866"/>
+            <a:ext cx="11719294" cy="6096488"/>
+            <a:chOff x="236353" y="238866"/>
+            <a:chExt cx="11719294" cy="6096488"/>
+          </a:xfrm>
+        </p:grpSpPr>
+        <p:sp>
+          <p:nvSpPr>
+            <p:cNvPr id="5" name="Rectangle 4">
+              <a:extLst>
+                <a:ext uri="{FF2B5EF4-FFF2-40B4-BE49-F238E27FC236}">
+                  <a16:creationId xmlns:a16="http://schemas.microsoft.com/office/drawing/2014/main" id="{A1C33B23-4112-9CF0-04B5-D83AFF771ACD}"/>
+                </a:ext>
+              </a:extLst>
+            </p:cNvPr>
+            <p:cNvSpPr/>
+            <p:nvPr/>
+          </p:nvSpPr>
+          <p:spPr>
+            <a:xfrm>
+              <a:off x="304800" y="470817"/>
+              <a:ext cx="11650847" cy="5864537"/>
+            </a:xfrm>
+            <a:prstGeom prst="rect">
+              <a:avLst/>
+            </a:prstGeom>
+            <a:noFill/>
+            <a:ln w="3175">
+              <a:solidFill>
+                <a:schemeClr val="tx1"/>
+              </a:solidFill>
+              <a:prstDash val="dash"/>
+            </a:ln>
+          </p:spPr>
+          <p:style>
+            <a:lnRef idx="2">
+              <a:schemeClr val="dk1"/>
+            </a:lnRef>
+            <a:fillRef idx="1">
+              <a:schemeClr val="lt1"/>
+            </a:fillRef>
+            <a:effectRef idx="0">
+              <a:schemeClr val="dk1"/>
+            </a:effectRef>
+            <a:fontRef idx="minor">
+              <a:schemeClr val="dk1"/>
+            </a:fontRef>
+          </p:style>
+          <p:txBody>
+            <a:bodyPr rtlCol="0" anchor="ctr"/>
+            <a:lstStyle/>
+            <a:p>
+              <a:pPr algn="ctr"/>
+              <a:endParaRPr lang="en-US" dirty="0"/>
+            </a:p>
+          </p:txBody>
+        </p:sp>
+        <p:sp>
+          <p:nvSpPr>
+            <p:cNvPr id="10" name="TextBox 9">
+              <a:extLst>
+                <a:ext uri="{FF2B5EF4-FFF2-40B4-BE49-F238E27FC236}">
+                  <a16:creationId xmlns:a16="http://schemas.microsoft.com/office/drawing/2014/main" id="{5A84DC3F-7345-EA6E-526B-4BFD5CEA0D50}"/>
+                </a:ext>
+              </a:extLst>
+            </p:cNvPr>
+            <p:cNvSpPr txBox="1"/>
+            <p:nvPr/>
+          </p:nvSpPr>
+          <p:spPr>
+            <a:xfrm>
+              <a:off x="236353" y="238866"/>
+              <a:ext cx="835485" cy="246221"/>
+            </a:xfrm>
+            <a:prstGeom prst="rect">
+              <a:avLst/>
+            </a:prstGeom>
+            <a:noFill/>
+          </p:spPr>
+          <p:txBody>
+            <a:bodyPr wrap="none" rtlCol="0">
+              <a:spAutoFit/>
+            </a:bodyPr>
+            <a:lstStyle/>
+            <a:p>
+              <a:r>
+                <a:rPr lang="en-US" sz="1000" b="1" dirty="0"/>
+                <a:t>AWS Region</a:t>
+              </a:r>
+            </a:p>
+          </p:txBody>
+        </p:sp>
+        <p:sp>
+          <p:nvSpPr>
+            <p:cNvPr id="16" name="TextBox 15">
+              <a:extLst>
+                <a:ext uri="{FF2B5EF4-FFF2-40B4-BE49-F238E27FC236}">
+                  <a16:creationId xmlns:a16="http://schemas.microsoft.com/office/drawing/2014/main" id="{1335B68F-AD75-A276-2545-158C752C22CD}"/>
+                </a:ext>
+              </a:extLst>
+            </p:cNvPr>
+            <p:cNvSpPr txBox="1"/>
+            <p:nvPr/>
+          </p:nvSpPr>
+          <p:spPr>
+            <a:xfrm>
+              <a:off x="2811957" y="868549"/>
+              <a:ext cx="1236236" cy="246221"/>
+            </a:xfrm>
+            <a:prstGeom prst="rect">
+              <a:avLst/>
+            </a:prstGeom>
+            <a:noFill/>
+          </p:spPr>
+          <p:txBody>
+            <a:bodyPr wrap="none" rtlCol="0">
+              <a:spAutoFit/>
+            </a:bodyPr>
+            <a:lstStyle/>
+            <a:p>
+              <a:r>
+                <a:rPr lang="en-US" sz="1000" b="1" dirty="0"/>
+                <a:t>Availability Zone - 1</a:t>
+              </a:r>
+            </a:p>
+          </p:txBody>
+        </p:sp>
+        <p:sp>
+          <p:nvSpPr>
+            <p:cNvPr id="17" name="TextBox 16">
+              <a:extLst>
+                <a:ext uri="{FF2B5EF4-FFF2-40B4-BE49-F238E27FC236}">
+                  <a16:creationId xmlns:a16="http://schemas.microsoft.com/office/drawing/2014/main" id="{6D7C0308-FE6A-E0DF-CBAF-FA5D8133D020}"/>
+                </a:ext>
+              </a:extLst>
+            </p:cNvPr>
+            <p:cNvSpPr txBox="1"/>
+            <p:nvPr/>
+          </p:nvSpPr>
+          <p:spPr>
+            <a:xfrm>
+              <a:off x="8301764" y="815020"/>
+              <a:ext cx="1236236" cy="246221"/>
+            </a:xfrm>
+            <a:prstGeom prst="rect">
+              <a:avLst/>
+            </a:prstGeom>
+            <a:noFill/>
+          </p:spPr>
+          <p:txBody>
+            <a:bodyPr wrap="none" rtlCol="0">
+              <a:spAutoFit/>
+            </a:bodyPr>
+            <a:lstStyle/>
+            <a:p>
+              <a:r>
+                <a:rPr lang="en-US" sz="1000" b="1" dirty="0"/>
+                <a:t>Availability Zone - 2</a:t>
+              </a:r>
+            </a:p>
+          </p:txBody>
+        </p:sp>
+      </p:grpSp>
+      <p:grpSp>
+        <p:nvGrpSpPr>
+          <p:cNvPr id="13" name="Group 12">
+            <a:extLst>
+              <a:ext uri="{FF2B5EF4-FFF2-40B4-BE49-F238E27FC236}">
+                <a16:creationId xmlns:a16="http://schemas.microsoft.com/office/drawing/2014/main" id="{C987AACE-F126-7E1C-0B8E-AA4B0D6DB937}"/>
+              </a:ext>
+            </a:extLst>
+          </p:cNvPr>
+          <p:cNvGrpSpPr/>
+          <p:nvPr/>
+        </p:nvGrpSpPr>
+        <p:grpSpPr>
+          <a:xfrm>
+            <a:off x="326001" y="609041"/>
+            <a:ext cx="11417764" cy="5549712"/>
+            <a:chOff x="326001" y="609041"/>
+            <a:chExt cx="11417764" cy="5549712"/>
+          </a:xfrm>
+        </p:grpSpPr>
+        <p:sp>
+          <p:nvSpPr>
+            <p:cNvPr id="8" name="Rectangle 7">
+              <a:extLst>
+                <a:ext uri="{FF2B5EF4-FFF2-40B4-BE49-F238E27FC236}">
+                  <a16:creationId xmlns:a16="http://schemas.microsoft.com/office/drawing/2014/main" id="{B18302E6-4626-B4FF-B933-ECEDD7E8E21B}"/>
+                </a:ext>
+              </a:extLst>
+            </p:cNvPr>
+            <p:cNvSpPr/>
+            <p:nvPr/>
+          </p:nvSpPr>
+          <p:spPr>
+            <a:xfrm>
+              <a:off x="537883" y="745577"/>
+              <a:ext cx="11205882" cy="5413176"/>
+            </a:xfrm>
+            <a:prstGeom prst="rect">
+              <a:avLst/>
+            </a:prstGeom>
+            <a:noFill/>
+            <a:ln>
+              <a:solidFill>
+                <a:schemeClr val="accent6"/>
+              </a:solidFill>
+              <a:prstDash val="dash"/>
+            </a:ln>
+          </p:spPr>
+          <p:style>
+            <a:lnRef idx="2">
+              <a:schemeClr val="dk1"/>
+            </a:lnRef>
+            <a:fillRef idx="1">
+              <a:schemeClr val="lt1"/>
+            </a:fillRef>
+            <a:effectRef idx="0">
+              <a:schemeClr val="dk1"/>
+            </a:effectRef>
+            <a:fontRef idx="minor">
+              <a:schemeClr val="dk1"/>
+            </a:fontRef>
+          </p:style>
+          <p:txBody>
+            <a:bodyPr rtlCol="0" anchor="ctr"/>
+            <a:lstStyle/>
+            <a:p>
+              <a:pPr algn="ctr"/>
+              <a:endParaRPr lang="en-US" dirty="0"/>
+            </a:p>
+          </p:txBody>
+        </p:sp>
+        <p:pic>
+          <p:nvPicPr>
+            <p:cNvPr id="1026" name="Picture 2" descr="AWS VPC icon PNG and SVG Vector Free Download">
+              <a:extLst>
+                <a:ext uri="{FF2B5EF4-FFF2-40B4-BE49-F238E27FC236}">
+                  <a16:creationId xmlns:a16="http://schemas.microsoft.com/office/drawing/2014/main" id="{D2E5DB50-7504-A2C6-1EA3-37D70A475C4E}"/>
+                </a:ext>
+              </a:extLst>
+            </p:cNvPr>
+            <p:cNvPicPr>
+              <a:picLocks noChangeAspect="1" noChangeArrowheads="1"/>
+            </p:cNvPicPr>
+            <p:nvPr/>
+          </p:nvPicPr>
+          <p:blipFill>
+            <a:blip r:embed="rId2">
+              <a:extLst>
+                <a:ext uri="{28A0092B-C50C-407E-A947-70E740481C1C}">
+                  <a14:useLocalDpi xmlns:a14="http://schemas.microsoft.com/office/drawing/2010/main" val="0"/>
+                </a:ext>
+              </a:extLst>
+            </a:blip>
+            <a:srcRect/>
+            <a:stretch>
+              <a:fillRect/>
+            </a:stretch>
+          </p:blipFill>
+          <p:spPr bwMode="auto">
+            <a:xfrm>
+              <a:off x="326001" y="609041"/>
+              <a:ext cx="438150" cy="273072"/>
+            </a:xfrm>
+            <a:prstGeom prst="rect">
+              <a:avLst/>
+            </a:prstGeom>
+            <a:noFill/>
+            <a:extLst>
+              <a:ext uri="{909E8E84-426E-40DD-AFC4-6F175D3DCCD1}">
+                <a14:hiddenFill xmlns:a14="http://schemas.microsoft.com/office/drawing/2010/main">
+                  <a:solidFill>
+                    <a:srgbClr val="FFFFFF"/>
+                  </a:solidFill>
+                </a14:hiddenFill>
+              </a:ext>
+            </a:extLst>
+          </p:spPr>
+        </p:pic>
+      </p:grpSp>
+      <p:sp>
+        <p:nvSpPr>
+          <p:cNvPr id="14" name="Rectangle: Rounded Corners 13">
+            <a:extLst>
+              <a:ext uri="{FF2B5EF4-FFF2-40B4-BE49-F238E27FC236}">
+                <a16:creationId xmlns:a16="http://schemas.microsoft.com/office/drawing/2014/main" id="{BBAE8C96-1DD9-74CF-74FF-1AEE43B0B44A}"/>
+              </a:ext>
+            </a:extLst>
+          </p:cNvPr>
+          <p:cNvSpPr/>
+          <p:nvPr/>
+        </p:nvSpPr>
+        <p:spPr>
+          <a:xfrm>
+            <a:off x="764152" y="1120588"/>
+            <a:ext cx="4865684" cy="4796118"/>
+          </a:xfrm>
+          <a:prstGeom prst="roundRect">
+            <a:avLst>
+              <a:gd name="adj" fmla="val 4144"/>
+            </a:avLst>
+          </a:prstGeom>
+          <a:noFill/>
+          <a:ln>
+            <a:solidFill>
+              <a:schemeClr val="accent2"/>
+            </a:solidFill>
+            <a:prstDash val="dashDot"/>
+          </a:ln>
+        </p:spPr>
+        <p:style>
+          <a:lnRef idx="2">
+            <a:schemeClr val="accent1">
+              <a:shade val="15000"/>
+            </a:schemeClr>
+          </a:lnRef>
+          <a:fillRef idx="1">
+            <a:schemeClr val="accent1"/>
+          </a:fillRef>
+          <a:effectRef idx="0">
+            <a:schemeClr val="accent1"/>
+          </a:effectRef>
+          <a:fontRef idx="minor">
+            <a:schemeClr val="lt1"/>
+          </a:fontRef>
+        </p:style>
+        <p:txBody>
+          <a:bodyPr rtlCol="0" anchor="ctr"/>
+          <a:lstStyle/>
+          <a:p>
+            <a:pPr algn="ctr"/>
+            <a:endParaRPr lang="en-US"/>
+          </a:p>
+        </p:txBody>
+      </p:sp>
+      <p:sp>
+        <p:nvSpPr>
+          <p:cNvPr id="15" name="Rectangle: Rounded Corners 14">
+            <a:extLst>
+              <a:ext uri="{FF2B5EF4-FFF2-40B4-BE49-F238E27FC236}">
+                <a16:creationId xmlns:a16="http://schemas.microsoft.com/office/drawing/2014/main" id="{0EDEDC4F-0C09-B383-1E87-9234CAB2EB2F}"/>
+              </a:ext>
+            </a:extLst>
+          </p:cNvPr>
+          <p:cNvSpPr/>
+          <p:nvPr/>
+        </p:nvSpPr>
+        <p:spPr>
+          <a:xfrm>
+            <a:off x="6562166" y="1114770"/>
+            <a:ext cx="5023641" cy="4796118"/>
+          </a:xfrm>
+          <a:prstGeom prst="roundRect">
+            <a:avLst>
+              <a:gd name="adj" fmla="val 4891"/>
+            </a:avLst>
+          </a:prstGeom>
+          <a:noFill/>
+          <a:ln>
+            <a:solidFill>
+              <a:schemeClr val="accent2"/>
+            </a:solidFill>
+            <a:prstDash val="dashDot"/>
+          </a:ln>
+        </p:spPr>
+        <p:style>
+          <a:lnRef idx="2">
+            <a:schemeClr val="accent1">
+              <a:shade val="15000"/>
+            </a:schemeClr>
+          </a:lnRef>
+          <a:fillRef idx="1">
+            <a:schemeClr val="accent1"/>
+          </a:fillRef>
+          <a:effectRef idx="0">
+            <a:schemeClr val="accent1"/>
+          </a:effectRef>
+          <a:fontRef idx="minor">
+            <a:schemeClr val="lt1"/>
+          </a:fontRef>
+        </p:style>
+        <p:txBody>
+          <a:bodyPr rtlCol="0" anchor="ctr"/>
+          <a:lstStyle/>
+          <a:p>
+            <a:pPr algn="ctr"/>
+            <a:endParaRPr lang="en-US"/>
+          </a:p>
+        </p:txBody>
+      </p:sp>
+      <p:grpSp>
+        <p:nvGrpSpPr>
+          <p:cNvPr id="31" name="Group 30">
+            <a:extLst>
+              <a:ext uri="{FF2B5EF4-FFF2-40B4-BE49-F238E27FC236}">
+                <a16:creationId xmlns:a16="http://schemas.microsoft.com/office/drawing/2014/main" id="{DED8F53E-D549-F4A4-780E-44FAFF934B57}"/>
+              </a:ext>
+            </a:extLst>
+          </p:cNvPr>
+          <p:cNvGrpSpPr/>
+          <p:nvPr/>
+        </p:nvGrpSpPr>
+        <p:grpSpPr>
+          <a:xfrm>
+            <a:off x="6705600" y="1256757"/>
+            <a:ext cx="4805531" cy="1380566"/>
+            <a:chOff x="6261124" y="1220897"/>
+            <a:chExt cx="5250007" cy="1380566"/>
+          </a:xfrm>
+        </p:grpSpPr>
+        <p:sp>
+          <p:nvSpPr>
+            <p:cNvPr id="20" name="Rectangle 19">
+              <a:extLst>
+                <a:ext uri="{FF2B5EF4-FFF2-40B4-BE49-F238E27FC236}">
+                  <a16:creationId xmlns:a16="http://schemas.microsoft.com/office/drawing/2014/main" id="{B26F6F89-8A2F-32AC-E51A-2362731EB671}"/>
+                </a:ext>
+              </a:extLst>
+            </p:cNvPr>
+            <p:cNvSpPr/>
+            <p:nvPr/>
+          </p:nvSpPr>
+          <p:spPr>
+            <a:xfrm>
+              <a:off x="6307882" y="1220897"/>
+              <a:ext cx="5203249" cy="1380566"/>
+            </a:xfrm>
+            <a:prstGeom prst="rect">
+              <a:avLst/>
+            </a:prstGeom>
+            <a:solidFill>
+              <a:srgbClr val="EEF7E9"/>
+            </a:solidFill>
+            <a:ln>
+              <a:noFill/>
+            </a:ln>
+          </p:spPr>
+          <p:style>
+            <a:lnRef idx="2">
+              <a:schemeClr val="accent1">
+                <a:shade val="15000"/>
+              </a:schemeClr>
+            </a:lnRef>
+            <a:fillRef idx="1">
+              <a:schemeClr val="accent1"/>
+            </a:fillRef>
+            <a:effectRef idx="0">
+              <a:schemeClr val="accent1"/>
+            </a:effectRef>
+            <a:fontRef idx="minor">
+              <a:schemeClr val="lt1"/>
+            </a:fontRef>
+          </p:style>
+          <p:txBody>
+            <a:bodyPr rtlCol="0" anchor="ctr"/>
+            <a:lstStyle/>
+            <a:p>
+              <a:pPr algn="ctr"/>
+              <a:endParaRPr lang="en-US"/>
+            </a:p>
+          </p:txBody>
+        </p:sp>
+        <p:pic>
+          <p:nvPicPr>
+            <p:cNvPr id="1028" name="Picture 4" descr="Group Icons | MyDraw">
+              <a:extLst>
+                <a:ext uri="{FF2B5EF4-FFF2-40B4-BE49-F238E27FC236}">
+                  <a16:creationId xmlns:a16="http://schemas.microsoft.com/office/drawing/2014/main" id="{2B19D2F4-A3B9-8DDB-D0DC-EF11A3AA510B}"/>
+                </a:ext>
+              </a:extLst>
+            </p:cNvPr>
+            <p:cNvPicPr>
+              <a:picLocks noChangeAspect="1" noChangeArrowheads="1"/>
+            </p:cNvPicPr>
+            <p:nvPr/>
+          </p:nvPicPr>
+          <p:blipFill>
+            <a:blip r:embed="rId3">
+              <a:extLst>
+                <a:ext uri="{28A0092B-C50C-407E-A947-70E740481C1C}">
+                  <a14:useLocalDpi xmlns:a14="http://schemas.microsoft.com/office/drawing/2010/main" val="0"/>
+                </a:ext>
+              </a:extLst>
+            </a:blip>
+            <a:srcRect/>
+            <a:stretch>
+              <a:fillRect/>
+            </a:stretch>
+          </p:blipFill>
+          <p:spPr bwMode="auto">
+            <a:xfrm>
+              <a:off x="6261124" y="1240770"/>
+              <a:ext cx="324971" cy="243728"/>
+            </a:xfrm>
+            <a:prstGeom prst="rect">
+              <a:avLst/>
+            </a:prstGeom>
+            <a:noFill/>
+            <a:extLst>
+              <a:ext uri="{909E8E84-426E-40DD-AFC4-6F175D3DCCD1}">
+                <a14:hiddenFill xmlns:a14="http://schemas.microsoft.com/office/drawing/2010/main">
+                  <a:solidFill>
+                    <a:srgbClr val="FFFFFF"/>
+                  </a:solidFill>
+                </a14:hiddenFill>
+              </a:ext>
+            </a:extLst>
+          </p:spPr>
+        </p:pic>
+      </p:grpSp>
+      <p:grpSp>
+        <p:nvGrpSpPr>
+          <p:cNvPr id="32" name="Group 31">
+            <a:extLst>
+              <a:ext uri="{FF2B5EF4-FFF2-40B4-BE49-F238E27FC236}">
+                <a16:creationId xmlns:a16="http://schemas.microsoft.com/office/drawing/2014/main" id="{674E3DCE-914B-8BAD-2155-FAADA7127AB9}"/>
+              </a:ext>
+            </a:extLst>
+          </p:cNvPr>
+          <p:cNvGrpSpPr/>
+          <p:nvPr/>
+        </p:nvGrpSpPr>
+        <p:grpSpPr>
+          <a:xfrm>
+            <a:off x="764151" y="2767066"/>
+            <a:ext cx="4722249" cy="1397528"/>
+            <a:chOff x="764151" y="2650523"/>
+            <a:chExt cx="5257173" cy="1397528"/>
+          </a:xfrm>
+          <a:solidFill>
+            <a:srgbClr val="E2E9F6"/>
+          </a:solidFill>
+        </p:grpSpPr>
+        <p:sp>
+          <p:nvSpPr>
+            <p:cNvPr id="19" name="Rectangle 18">
+              <a:extLst>
+                <a:ext uri="{FF2B5EF4-FFF2-40B4-BE49-F238E27FC236}">
+                  <a16:creationId xmlns:a16="http://schemas.microsoft.com/office/drawing/2014/main" id="{407B6E82-0AF6-4451-E0F8-4CF01939475C}"/>
+                </a:ext>
+              </a:extLst>
+            </p:cNvPr>
+            <p:cNvSpPr/>
+            <p:nvPr/>
+          </p:nvSpPr>
+          <p:spPr>
+            <a:xfrm>
+              <a:off x="818075" y="2667484"/>
+              <a:ext cx="5203249" cy="1380567"/>
+            </a:xfrm>
+            <a:prstGeom prst="rect">
+              <a:avLst/>
+            </a:prstGeom>
+            <a:grpFill/>
+            <a:ln>
+              <a:noFill/>
+            </a:ln>
+          </p:spPr>
+          <p:style>
+            <a:lnRef idx="2">
+              <a:schemeClr val="accent1">
+                <a:shade val="15000"/>
+              </a:schemeClr>
+            </a:lnRef>
+            <a:fillRef idx="1">
+              <a:schemeClr val="accent1"/>
+            </a:fillRef>
+            <a:effectRef idx="0">
+              <a:schemeClr val="accent1"/>
+            </a:effectRef>
+            <a:fontRef idx="minor">
+              <a:schemeClr val="lt1"/>
+            </a:fontRef>
+          </p:style>
+          <p:txBody>
+            <a:bodyPr rtlCol="0" anchor="ctr"/>
+            <a:lstStyle/>
+            <a:p>
+              <a:pPr algn="ctr"/>
+              <a:endParaRPr lang="en-US"/>
+            </a:p>
+          </p:txBody>
+        </p:sp>
+        <p:pic>
+          <p:nvPicPr>
+            <p:cNvPr id="1030" name="Picture 6" descr="Group Icons | MyDraw">
+              <a:extLst>
+                <a:ext uri="{FF2B5EF4-FFF2-40B4-BE49-F238E27FC236}">
+                  <a16:creationId xmlns:a16="http://schemas.microsoft.com/office/drawing/2014/main" id="{49B75612-3C6C-1948-29A8-DDFE1DA34C9E}"/>
+                </a:ext>
+              </a:extLst>
+            </p:cNvPr>
+            <p:cNvPicPr>
+              <a:picLocks noChangeAspect="1" noChangeArrowheads="1"/>
+            </p:cNvPicPr>
+            <p:nvPr/>
+          </p:nvPicPr>
+          <p:blipFill>
+            <a:blip r:embed="rId4">
+              <a:extLst>
+                <a:ext uri="{28A0092B-C50C-407E-A947-70E740481C1C}">
+                  <a14:useLocalDpi xmlns:a14="http://schemas.microsoft.com/office/drawing/2010/main" val="0"/>
+                </a:ext>
+              </a:extLst>
+            </a:blip>
+            <a:srcRect/>
+            <a:stretch>
+              <a:fillRect/>
+            </a:stretch>
+          </p:blipFill>
+          <p:spPr bwMode="auto">
+            <a:xfrm>
+              <a:off x="764151" y="2650523"/>
+              <a:ext cx="324971" cy="243729"/>
+            </a:xfrm>
+            <a:prstGeom prst="rect">
+              <a:avLst/>
+            </a:prstGeom>
+            <a:grpFill/>
+            <a:extLst>
+              <a:ext uri="{909E8E84-426E-40DD-AFC4-6F175D3DCCD1}">
+                <a14:hiddenFill xmlns:a14="http://schemas.microsoft.com/office/drawing/2010/main">
+                  <a:solidFill>
+                    <a:srgbClr val="FFFFFF"/>
+                  </a:solidFill>
+                </a14:hiddenFill>
+              </a:ext>
+            </a:extLst>
+          </p:spPr>
+        </p:pic>
+      </p:grpSp>
+      <p:grpSp>
+        <p:nvGrpSpPr>
+          <p:cNvPr id="30" name="Group 29">
+            <a:extLst>
+              <a:ext uri="{FF2B5EF4-FFF2-40B4-BE49-F238E27FC236}">
+                <a16:creationId xmlns:a16="http://schemas.microsoft.com/office/drawing/2014/main" id="{77CF36C6-B752-EF78-8BC7-56F065168613}"/>
+              </a:ext>
+            </a:extLst>
+          </p:cNvPr>
+          <p:cNvGrpSpPr/>
+          <p:nvPr/>
+        </p:nvGrpSpPr>
+        <p:grpSpPr>
+          <a:xfrm>
+            <a:off x="784903" y="1249795"/>
+            <a:ext cx="4701497" cy="1380566"/>
+            <a:chOff x="784903" y="1213935"/>
+            <a:chExt cx="5246796" cy="1380566"/>
+          </a:xfrm>
+        </p:grpSpPr>
+        <p:sp>
+          <p:nvSpPr>
+            <p:cNvPr id="18" name="Rectangle 17">
+              <a:extLst>
+                <a:ext uri="{FF2B5EF4-FFF2-40B4-BE49-F238E27FC236}">
+                  <a16:creationId xmlns:a16="http://schemas.microsoft.com/office/drawing/2014/main" id="{85B5C739-7257-389D-5EAD-9623E04BF72F}"/>
+                </a:ext>
+              </a:extLst>
+            </p:cNvPr>
+            <p:cNvSpPr/>
+            <p:nvPr/>
+          </p:nvSpPr>
+          <p:spPr>
+            <a:xfrm>
+              <a:off x="828450" y="1213935"/>
+              <a:ext cx="5203249" cy="1380566"/>
+            </a:xfrm>
+            <a:prstGeom prst="rect">
+              <a:avLst/>
+            </a:prstGeom>
+            <a:solidFill>
+              <a:srgbClr val="EEF7E9"/>
+            </a:solidFill>
+            <a:ln>
+              <a:noFill/>
+            </a:ln>
+          </p:spPr>
+          <p:style>
+            <a:lnRef idx="2">
+              <a:schemeClr val="accent1">
+                <a:shade val="15000"/>
+              </a:schemeClr>
+            </a:lnRef>
+            <a:fillRef idx="1">
+              <a:schemeClr val="accent1"/>
+            </a:fillRef>
+            <a:effectRef idx="0">
+              <a:schemeClr val="accent1"/>
+            </a:effectRef>
+            <a:fontRef idx="minor">
+              <a:schemeClr val="lt1"/>
+            </a:fontRef>
+          </p:style>
+          <p:txBody>
+            <a:bodyPr rtlCol="0" anchor="ctr"/>
+            <a:lstStyle/>
+            <a:p>
+              <a:pPr algn="ctr"/>
+              <a:endParaRPr lang="en-US" dirty="0"/>
+            </a:p>
+          </p:txBody>
+        </p:sp>
+        <p:pic>
+          <p:nvPicPr>
+            <p:cNvPr id="28" name="Picture 4" descr="Group Icons | MyDraw">
+              <a:extLst>
+                <a:ext uri="{FF2B5EF4-FFF2-40B4-BE49-F238E27FC236}">
+                  <a16:creationId xmlns:a16="http://schemas.microsoft.com/office/drawing/2014/main" id="{A4379B00-D371-FF8C-85B8-F039C0BE0878}"/>
+                </a:ext>
+              </a:extLst>
+            </p:cNvPr>
+            <p:cNvPicPr>
+              <a:picLocks noChangeAspect="1" noChangeArrowheads="1"/>
+            </p:cNvPicPr>
+            <p:nvPr/>
+          </p:nvPicPr>
+          <p:blipFill>
+            <a:blip r:embed="rId3">
+              <a:extLst>
+                <a:ext uri="{28A0092B-C50C-407E-A947-70E740481C1C}">
+                  <a14:useLocalDpi xmlns:a14="http://schemas.microsoft.com/office/drawing/2010/main" val="0"/>
+                </a:ext>
+              </a:extLst>
+            </a:blip>
+            <a:srcRect/>
+            <a:stretch>
+              <a:fillRect/>
+            </a:stretch>
+          </p:blipFill>
+          <p:spPr bwMode="auto">
+            <a:xfrm>
+              <a:off x="784903" y="1219753"/>
+              <a:ext cx="324971" cy="243728"/>
+            </a:xfrm>
+            <a:prstGeom prst="rect">
+              <a:avLst/>
+            </a:prstGeom>
+            <a:noFill/>
+            <a:extLst>
+              <a:ext uri="{909E8E84-426E-40DD-AFC4-6F175D3DCCD1}">
+                <a14:hiddenFill xmlns:a14="http://schemas.microsoft.com/office/drawing/2010/main">
+                  <a:solidFill>
+                    <a:srgbClr val="FFFFFF"/>
+                  </a:solidFill>
+                </a14:hiddenFill>
+              </a:ext>
+            </a:extLst>
+          </p:spPr>
+        </p:pic>
+      </p:grpSp>
+      <p:grpSp>
+        <p:nvGrpSpPr>
+          <p:cNvPr id="33" name="Group 32">
+            <a:extLst>
+              <a:ext uri="{FF2B5EF4-FFF2-40B4-BE49-F238E27FC236}">
+                <a16:creationId xmlns:a16="http://schemas.microsoft.com/office/drawing/2014/main" id="{6514B32F-9817-31A1-B56F-9B03D5AB2E64}"/>
+              </a:ext>
+            </a:extLst>
+          </p:cNvPr>
+          <p:cNvGrpSpPr/>
+          <p:nvPr/>
+        </p:nvGrpSpPr>
+        <p:grpSpPr>
+          <a:xfrm>
+            <a:off x="6705600" y="2741302"/>
+            <a:ext cx="4812697" cy="1397528"/>
+            <a:chOff x="764151" y="2650523"/>
+            <a:chExt cx="5257173" cy="1397528"/>
+          </a:xfrm>
+          <a:solidFill>
+            <a:srgbClr val="E2E9F6"/>
+          </a:solidFill>
+        </p:grpSpPr>
+        <p:sp>
+          <p:nvSpPr>
+            <p:cNvPr id="34" name="Rectangle 33">
+              <a:extLst>
+                <a:ext uri="{FF2B5EF4-FFF2-40B4-BE49-F238E27FC236}">
+                  <a16:creationId xmlns:a16="http://schemas.microsoft.com/office/drawing/2014/main" id="{B389B52B-9A61-9B22-9421-428BE6F67B81}"/>
+                </a:ext>
+              </a:extLst>
+            </p:cNvPr>
+            <p:cNvSpPr/>
+            <p:nvPr/>
+          </p:nvSpPr>
+          <p:spPr>
+            <a:xfrm>
+              <a:off x="818075" y="2667484"/>
+              <a:ext cx="5203249" cy="1380567"/>
+            </a:xfrm>
+            <a:prstGeom prst="rect">
+              <a:avLst/>
+            </a:prstGeom>
+            <a:grpFill/>
+            <a:ln>
+              <a:noFill/>
+            </a:ln>
+          </p:spPr>
+          <p:style>
+            <a:lnRef idx="2">
+              <a:schemeClr val="accent1">
+                <a:shade val="15000"/>
+              </a:schemeClr>
+            </a:lnRef>
+            <a:fillRef idx="1">
+              <a:schemeClr val="accent1"/>
+            </a:fillRef>
+            <a:effectRef idx="0">
+              <a:schemeClr val="accent1"/>
+            </a:effectRef>
+            <a:fontRef idx="minor">
+              <a:schemeClr val="lt1"/>
+            </a:fontRef>
+          </p:style>
+          <p:txBody>
+            <a:bodyPr rtlCol="0" anchor="ctr"/>
+            <a:lstStyle/>
+            <a:p>
+              <a:pPr algn="ctr"/>
+              <a:endParaRPr lang="en-US"/>
+            </a:p>
+          </p:txBody>
+        </p:sp>
+        <p:pic>
+          <p:nvPicPr>
+            <p:cNvPr id="35" name="Picture 6" descr="Group Icons | MyDraw">
+              <a:extLst>
+                <a:ext uri="{FF2B5EF4-FFF2-40B4-BE49-F238E27FC236}">
+                  <a16:creationId xmlns:a16="http://schemas.microsoft.com/office/drawing/2014/main" id="{31C50633-7868-696D-8266-E1BF63FB85B7}"/>
+                </a:ext>
+              </a:extLst>
+            </p:cNvPr>
+            <p:cNvPicPr>
+              <a:picLocks noChangeAspect="1" noChangeArrowheads="1"/>
+            </p:cNvPicPr>
+            <p:nvPr/>
+          </p:nvPicPr>
+          <p:blipFill>
+            <a:blip r:embed="rId4">
+              <a:extLst>
+                <a:ext uri="{28A0092B-C50C-407E-A947-70E740481C1C}">
+                  <a14:useLocalDpi xmlns:a14="http://schemas.microsoft.com/office/drawing/2010/main" val="0"/>
+                </a:ext>
+              </a:extLst>
+            </a:blip>
+            <a:srcRect/>
+            <a:stretch>
+              <a:fillRect/>
+            </a:stretch>
+          </p:blipFill>
+          <p:spPr bwMode="auto">
+            <a:xfrm>
+              <a:off x="764151" y="2650523"/>
+              <a:ext cx="324971" cy="243729"/>
+            </a:xfrm>
+            <a:prstGeom prst="rect">
+              <a:avLst/>
+            </a:prstGeom>
+            <a:grpFill/>
+            <a:extLst>
+              <a:ext uri="{909E8E84-426E-40DD-AFC4-6F175D3DCCD1}">
+                <a14:hiddenFill xmlns:a14="http://schemas.microsoft.com/office/drawing/2010/main">
+                  <a:solidFill>
+                    <a:srgbClr val="FFFFFF"/>
+                  </a:solidFill>
+                </a14:hiddenFill>
+              </a:ext>
+            </a:extLst>
+          </p:spPr>
+        </p:pic>
+      </p:grpSp>
+      <p:grpSp>
+        <p:nvGrpSpPr>
+          <p:cNvPr id="36" name="Group 35">
+            <a:extLst>
+              <a:ext uri="{FF2B5EF4-FFF2-40B4-BE49-F238E27FC236}">
+                <a16:creationId xmlns:a16="http://schemas.microsoft.com/office/drawing/2014/main" id="{A6E0953E-180C-91DB-B2E9-FCA40E7292A2}"/>
+              </a:ext>
+            </a:extLst>
+          </p:cNvPr>
+          <p:cNvGrpSpPr/>
+          <p:nvPr/>
+        </p:nvGrpSpPr>
+        <p:grpSpPr>
+          <a:xfrm>
+            <a:off x="764151" y="4423062"/>
+            <a:ext cx="4722249" cy="1397528"/>
+            <a:chOff x="764151" y="2650523"/>
+            <a:chExt cx="5257173" cy="1397528"/>
+          </a:xfrm>
+          <a:solidFill>
+            <a:srgbClr val="E2E9F6"/>
+          </a:solidFill>
+        </p:grpSpPr>
+        <p:sp>
+          <p:nvSpPr>
+            <p:cNvPr id="37" name="Rectangle 36">
+              <a:extLst>
+                <a:ext uri="{FF2B5EF4-FFF2-40B4-BE49-F238E27FC236}">
+                  <a16:creationId xmlns:a16="http://schemas.microsoft.com/office/drawing/2014/main" id="{2BE164DE-4622-43E1-5EF3-B94F677FB079}"/>
+                </a:ext>
+              </a:extLst>
+            </p:cNvPr>
+            <p:cNvSpPr/>
+            <p:nvPr/>
+          </p:nvSpPr>
+          <p:spPr>
+            <a:xfrm>
+              <a:off x="818075" y="2667484"/>
+              <a:ext cx="5203249" cy="1380567"/>
+            </a:xfrm>
+            <a:prstGeom prst="rect">
+              <a:avLst/>
+            </a:prstGeom>
+            <a:grpFill/>
+            <a:ln>
+              <a:noFill/>
+            </a:ln>
+          </p:spPr>
+          <p:style>
+            <a:lnRef idx="2">
+              <a:schemeClr val="accent1">
+                <a:shade val="15000"/>
+              </a:schemeClr>
+            </a:lnRef>
+            <a:fillRef idx="1">
+              <a:schemeClr val="accent1"/>
+            </a:fillRef>
+            <a:effectRef idx="0">
+              <a:schemeClr val="accent1"/>
+            </a:effectRef>
+            <a:fontRef idx="minor">
+              <a:schemeClr val="lt1"/>
+            </a:fontRef>
+          </p:style>
+          <p:txBody>
+            <a:bodyPr rtlCol="0" anchor="ctr"/>
+            <a:lstStyle/>
+            <a:p>
+              <a:pPr algn="ctr"/>
+              <a:endParaRPr lang="en-US"/>
+            </a:p>
+          </p:txBody>
+        </p:sp>
+        <p:pic>
+          <p:nvPicPr>
+            <p:cNvPr id="38" name="Picture 6" descr="Group Icons | MyDraw">
+              <a:extLst>
+                <a:ext uri="{FF2B5EF4-FFF2-40B4-BE49-F238E27FC236}">
+                  <a16:creationId xmlns:a16="http://schemas.microsoft.com/office/drawing/2014/main" id="{D1F21B6A-EF6B-7ADF-A967-4EC6FE723293}"/>
+                </a:ext>
+              </a:extLst>
+            </p:cNvPr>
+            <p:cNvPicPr>
+              <a:picLocks noChangeAspect="1" noChangeArrowheads="1"/>
+            </p:cNvPicPr>
+            <p:nvPr/>
+          </p:nvPicPr>
+          <p:blipFill>
+            <a:blip r:embed="rId4">
+              <a:extLst>
+                <a:ext uri="{28A0092B-C50C-407E-A947-70E740481C1C}">
+                  <a14:useLocalDpi xmlns:a14="http://schemas.microsoft.com/office/drawing/2010/main" val="0"/>
+                </a:ext>
+              </a:extLst>
+            </a:blip>
+            <a:srcRect/>
+            <a:stretch>
+              <a:fillRect/>
+            </a:stretch>
+          </p:blipFill>
+          <p:spPr bwMode="auto">
+            <a:xfrm>
+              <a:off x="764151" y="2650523"/>
+              <a:ext cx="324971" cy="243729"/>
+            </a:xfrm>
+            <a:prstGeom prst="rect">
+              <a:avLst/>
+            </a:prstGeom>
+            <a:grpFill/>
+            <a:extLst>
+              <a:ext uri="{909E8E84-426E-40DD-AFC4-6F175D3DCCD1}">
+                <a14:hiddenFill xmlns:a14="http://schemas.microsoft.com/office/drawing/2010/main">
+                  <a:solidFill>
+                    <a:srgbClr val="FFFFFF"/>
+                  </a:solidFill>
+                </a14:hiddenFill>
+              </a:ext>
+            </a:extLst>
+          </p:spPr>
+        </p:pic>
+      </p:grpSp>
+      <p:grpSp>
+        <p:nvGrpSpPr>
+          <p:cNvPr id="39" name="Group 38">
+            <a:extLst>
+              <a:ext uri="{FF2B5EF4-FFF2-40B4-BE49-F238E27FC236}">
+                <a16:creationId xmlns:a16="http://schemas.microsoft.com/office/drawing/2014/main" id="{88038915-D8B8-B0E8-F339-F4C85F8CBBB7}"/>
+              </a:ext>
+            </a:extLst>
+          </p:cNvPr>
+          <p:cNvGrpSpPr/>
+          <p:nvPr/>
+        </p:nvGrpSpPr>
+        <p:grpSpPr>
+          <a:xfrm>
+            <a:off x="6705600" y="4419241"/>
+            <a:ext cx="4832492" cy="1397528"/>
+            <a:chOff x="764151" y="2650523"/>
+            <a:chExt cx="5257173" cy="1397528"/>
+          </a:xfrm>
+          <a:solidFill>
+            <a:srgbClr val="E2E9F6"/>
+          </a:solidFill>
+        </p:grpSpPr>
+        <p:sp>
+          <p:nvSpPr>
+            <p:cNvPr id="40" name="Rectangle 39">
+              <a:extLst>
+                <a:ext uri="{FF2B5EF4-FFF2-40B4-BE49-F238E27FC236}">
+                  <a16:creationId xmlns:a16="http://schemas.microsoft.com/office/drawing/2014/main" id="{825070A5-6765-1396-F458-6CF16FB366E1}"/>
+                </a:ext>
+              </a:extLst>
+            </p:cNvPr>
+            <p:cNvSpPr/>
+            <p:nvPr/>
+          </p:nvSpPr>
+          <p:spPr>
+            <a:xfrm>
+              <a:off x="818075" y="2667484"/>
+              <a:ext cx="5203249" cy="1380567"/>
+            </a:xfrm>
+            <a:prstGeom prst="rect">
+              <a:avLst/>
+            </a:prstGeom>
+            <a:grpFill/>
+            <a:ln>
+              <a:noFill/>
+            </a:ln>
+          </p:spPr>
+          <p:style>
+            <a:lnRef idx="2">
+              <a:schemeClr val="accent1">
+                <a:shade val="15000"/>
+              </a:schemeClr>
+            </a:lnRef>
+            <a:fillRef idx="1">
+              <a:schemeClr val="accent1"/>
+            </a:fillRef>
+            <a:effectRef idx="0">
+              <a:schemeClr val="accent1"/>
+            </a:effectRef>
+            <a:fontRef idx="minor">
+              <a:schemeClr val="lt1"/>
+            </a:fontRef>
+          </p:style>
+          <p:txBody>
+            <a:bodyPr rtlCol="0" anchor="ctr"/>
+            <a:lstStyle/>
+            <a:p>
+              <a:pPr algn="ctr"/>
+              <a:endParaRPr lang="en-US"/>
+            </a:p>
+          </p:txBody>
+        </p:sp>
+        <p:pic>
+          <p:nvPicPr>
+            <p:cNvPr id="41" name="Picture 6" descr="Group Icons | MyDraw">
+              <a:extLst>
+                <a:ext uri="{FF2B5EF4-FFF2-40B4-BE49-F238E27FC236}">
+                  <a16:creationId xmlns:a16="http://schemas.microsoft.com/office/drawing/2014/main" id="{DA9E9756-C8B5-05B9-8636-E320FC9817B6}"/>
+                </a:ext>
+              </a:extLst>
+            </p:cNvPr>
+            <p:cNvPicPr>
+              <a:picLocks noChangeAspect="1" noChangeArrowheads="1"/>
+            </p:cNvPicPr>
+            <p:nvPr/>
+          </p:nvPicPr>
+          <p:blipFill>
+            <a:blip r:embed="rId4">
+              <a:extLst>
+                <a:ext uri="{28A0092B-C50C-407E-A947-70E740481C1C}">
+                  <a14:useLocalDpi xmlns:a14="http://schemas.microsoft.com/office/drawing/2010/main" val="0"/>
+                </a:ext>
+              </a:extLst>
+            </a:blip>
+            <a:srcRect/>
+            <a:stretch>
+              <a:fillRect/>
+            </a:stretch>
+          </p:blipFill>
+          <p:spPr bwMode="auto">
+            <a:xfrm>
+              <a:off x="764151" y="2650523"/>
+              <a:ext cx="324971" cy="243729"/>
+            </a:xfrm>
+            <a:prstGeom prst="rect">
+              <a:avLst/>
+            </a:prstGeom>
+            <a:grpFill/>
+            <a:extLst>
+              <a:ext uri="{909E8E84-426E-40DD-AFC4-6F175D3DCCD1}">
+                <a14:hiddenFill xmlns:a14="http://schemas.microsoft.com/office/drawing/2010/main">
+                  <a:solidFill>
+                    <a:srgbClr val="FFFFFF"/>
+                  </a:solidFill>
+                </a14:hiddenFill>
+              </a:ext>
+            </a:extLst>
+          </p:spPr>
+        </p:pic>
+      </p:grpSp>
+      <p:pic>
+        <p:nvPicPr>
+          <p:cNvPr id="1034" name="Picture 10" descr="Copy, database, rds icon - Free download on Iconfinder">
+            <a:extLst>
+              <a:ext uri="{FF2B5EF4-FFF2-40B4-BE49-F238E27FC236}">
+                <a16:creationId xmlns:a16="http://schemas.microsoft.com/office/drawing/2014/main" id="{7BD9F47F-1262-D6A3-6638-4318F040EA1B}"/>
+              </a:ext>
+            </a:extLst>
+          </p:cNvPr>
+          <p:cNvPicPr>
+            <a:picLocks noChangeAspect="1" noChangeArrowheads="1"/>
+          </p:cNvPicPr>
+          <p:nvPr/>
+        </p:nvPicPr>
+        <p:blipFill>
+          <a:blip r:embed="rId5">
+            <a:extLst>
+              <a:ext uri="{28A0092B-C50C-407E-A947-70E740481C1C}">
+                <a14:useLocalDpi xmlns:a14="http://schemas.microsoft.com/office/drawing/2010/main" val="0"/>
+              </a:ext>
+            </a:extLst>
+          </a:blip>
+          <a:srcRect/>
+          <a:stretch>
+            <a:fillRect/>
+          </a:stretch>
+        </p:blipFill>
+        <p:spPr bwMode="auto">
+          <a:xfrm>
+            <a:off x="2722309" y="4743945"/>
+            <a:ext cx="648419" cy="648419"/>
+          </a:xfrm>
+          <a:prstGeom prst="rect">
+            <a:avLst/>
+          </a:prstGeom>
+          <a:noFill/>
+          <a:extLst>
+            <a:ext uri="{909E8E84-426E-40DD-AFC4-6F175D3DCCD1}">
+              <a14:hiddenFill xmlns:a14="http://schemas.microsoft.com/office/drawing/2010/main">
+                <a:solidFill>
+                  <a:srgbClr val="FFFFFF"/>
+                </a:solidFill>
+              </a14:hiddenFill>
+            </a:ext>
+          </a:extLst>
+        </p:spPr>
+      </p:pic>
+      <p:pic>
+        <p:nvPicPr>
+          <p:cNvPr id="42" name="Picture 10" descr="Copy, database, rds icon - Free download on Iconfinder">
+            <a:extLst>
+              <a:ext uri="{FF2B5EF4-FFF2-40B4-BE49-F238E27FC236}">
+                <a16:creationId xmlns:a16="http://schemas.microsoft.com/office/drawing/2014/main" id="{FE4569E9-A086-59A7-6C00-6B85397E51BD}"/>
+              </a:ext>
+            </a:extLst>
+          </p:cNvPr>
+          <p:cNvPicPr>
+            <a:picLocks noChangeAspect="1" noChangeArrowheads="1"/>
+          </p:cNvPicPr>
+          <p:nvPr/>
+        </p:nvPicPr>
+        <p:blipFill>
+          <a:blip r:embed="rId5">
+            <a:duotone>
+              <a:schemeClr val="accent5">
+                <a:shade val="45000"/>
+                <a:satMod val="135000"/>
+              </a:schemeClr>
+              <a:prstClr val="white"/>
+            </a:duotone>
+            <a:extLst>
+              <a:ext uri="{28A0092B-C50C-407E-A947-70E740481C1C}">
+                <a14:useLocalDpi xmlns:a14="http://schemas.microsoft.com/office/drawing/2010/main" val="0"/>
+              </a:ext>
+            </a:extLst>
+          </a:blip>
+          <a:srcRect/>
+          <a:stretch>
+            <a:fillRect/>
+          </a:stretch>
+        </p:blipFill>
+        <p:spPr bwMode="auto">
+          <a:xfrm>
+            <a:off x="8812421" y="4743945"/>
+            <a:ext cx="648419" cy="648419"/>
+          </a:xfrm>
+          <a:prstGeom prst="rect">
+            <a:avLst/>
+          </a:prstGeom>
+          <a:noFill/>
+          <a:extLst>
+            <a:ext uri="{909E8E84-426E-40DD-AFC4-6F175D3DCCD1}">
+              <a14:hiddenFill xmlns:a14="http://schemas.microsoft.com/office/drawing/2010/main">
+                <a:solidFill>
+                  <a:srgbClr val="FFFFFF"/>
+                </a:solidFill>
+              </a14:hiddenFill>
+            </a:ext>
+          </a:extLst>
+        </p:spPr>
+      </p:pic>
+      <p:sp>
+        <p:nvSpPr>
+          <p:cNvPr id="43" name="TextBox 42">
+            <a:extLst>
+              <a:ext uri="{FF2B5EF4-FFF2-40B4-BE49-F238E27FC236}">
+                <a16:creationId xmlns:a16="http://schemas.microsoft.com/office/drawing/2014/main" id="{8EA9147E-FD1A-DC13-CD90-210D04D39635}"/>
+              </a:ext>
+            </a:extLst>
+          </p:cNvPr>
+          <p:cNvSpPr txBox="1"/>
+          <p:nvPr/>
+        </p:nvSpPr>
+        <p:spPr>
+          <a:xfrm>
+            <a:off x="2368483" y="5297723"/>
+            <a:ext cx="1370888" cy="246221"/>
+          </a:xfrm>
+          <a:prstGeom prst="rect">
+            <a:avLst/>
+          </a:prstGeom>
+          <a:noFill/>
+        </p:spPr>
+        <p:txBody>
+          <a:bodyPr wrap="none" rtlCol="0">
+            <a:spAutoFit/>
+          </a:bodyPr>
+          <a:lstStyle/>
+          <a:p>
+            <a:pPr algn="ctr"/>
+            <a:r>
+              <a:rPr lang="en-US" sz="1000" dirty="0"/>
+              <a:t>RDS Instance (Primary)</a:t>
+            </a:r>
+          </a:p>
+        </p:txBody>
+      </p:sp>
+      <p:sp>
+        <p:nvSpPr>
+          <p:cNvPr id="44" name="TextBox 43">
+            <a:extLst>
+              <a:ext uri="{FF2B5EF4-FFF2-40B4-BE49-F238E27FC236}">
+                <a16:creationId xmlns:a16="http://schemas.microsoft.com/office/drawing/2014/main" id="{F6795310-B2C0-FA06-2C54-F2CB2CD3CF42}"/>
+              </a:ext>
+            </a:extLst>
+          </p:cNvPr>
+          <p:cNvSpPr txBox="1"/>
+          <p:nvPr/>
+        </p:nvSpPr>
+        <p:spPr>
+          <a:xfrm>
+            <a:off x="8410148" y="5297722"/>
+            <a:ext cx="1508746" cy="246221"/>
+          </a:xfrm>
+          <a:prstGeom prst="rect">
+            <a:avLst/>
+          </a:prstGeom>
+          <a:noFill/>
+        </p:spPr>
+        <p:txBody>
+          <a:bodyPr wrap="none" rtlCol="0">
+            <a:spAutoFit/>
+          </a:bodyPr>
+          <a:lstStyle/>
+          <a:p>
+            <a:pPr algn="ctr"/>
+            <a:r>
+              <a:rPr lang="en-US" sz="1000" dirty="0"/>
+              <a:t>RDS Instance (Secondary)</a:t>
+            </a:r>
+          </a:p>
+        </p:txBody>
+      </p:sp>
+      <p:cxnSp>
+        <p:nvCxnSpPr>
+          <p:cNvPr id="46" name="Straight Arrow Connector 45">
+            <a:extLst>
+              <a:ext uri="{FF2B5EF4-FFF2-40B4-BE49-F238E27FC236}">
+                <a16:creationId xmlns:a16="http://schemas.microsoft.com/office/drawing/2014/main" id="{8E83F885-7F9F-0A69-7D4F-9964E6FB6F58}"/>
+              </a:ext>
+            </a:extLst>
+          </p:cNvPr>
+          <p:cNvCxnSpPr>
+            <a:stCxn id="1034" idx="3"/>
+            <a:endCxn id="42" idx="1"/>
+          </p:cNvCxnSpPr>
+          <p:nvPr/>
+        </p:nvCxnSpPr>
+        <p:spPr>
+          <a:xfrm>
+            <a:off x="3370728" y="5068155"/>
+            <a:ext cx="5441693" cy="0"/>
+          </a:xfrm>
+          <a:prstGeom prst="straightConnector1">
+            <a:avLst/>
+          </a:prstGeom>
+          <a:ln w="3175">
+            <a:prstDash val="dash"/>
+            <a:headEnd type="triangle"/>
+            <a:tailEnd type="triangle"/>
+          </a:ln>
+        </p:spPr>
+        <p:style>
+          <a:lnRef idx="1">
+            <a:schemeClr val="accent3"/>
+          </a:lnRef>
+          <a:fillRef idx="0">
+            <a:schemeClr val="accent3"/>
+          </a:fillRef>
+          <a:effectRef idx="0">
+            <a:schemeClr val="accent3"/>
+          </a:effectRef>
+          <a:fontRef idx="minor">
+            <a:schemeClr val="tx1"/>
+          </a:fontRef>
+        </p:style>
+      </p:cxnSp>
+      <p:pic>
+        <p:nvPicPr>
+          <p:cNvPr id="1038" name="Picture 14" descr="How to Change or Upgrade an EC2 Instance Type | Logicata">
+            <a:extLst>
+              <a:ext uri="{FF2B5EF4-FFF2-40B4-BE49-F238E27FC236}">
+                <a16:creationId xmlns:a16="http://schemas.microsoft.com/office/drawing/2014/main" id="{1C24193B-FF64-FD73-153E-B52A840BC80B}"/>
+              </a:ext>
+            </a:extLst>
+          </p:cNvPr>
+          <p:cNvPicPr>
+            <a:picLocks noChangeAspect="1" noChangeArrowheads="1"/>
+          </p:cNvPicPr>
+          <p:nvPr/>
+        </p:nvPicPr>
+        <p:blipFill>
+          <a:blip r:embed="rId6">
+            <a:extLst>
+              <a:ext uri="{28A0092B-C50C-407E-A947-70E740481C1C}">
+                <a14:useLocalDpi xmlns:a14="http://schemas.microsoft.com/office/drawing/2010/main" val="0"/>
+              </a:ext>
+            </a:extLst>
+          </a:blip>
+          <a:srcRect/>
+          <a:stretch>
+            <a:fillRect/>
+          </a:stretch>
+        </p:blipFill>
+        <p:spPr bwMode="auto">
+          <a:xfrm>
+            <a:off x="2775503" y="3213550"/>
+            <a:ext cx="542029" cy="542029"/>
+          </a:xfrm>
+          <a:prstGeom prst="rect">
+            <a:avLst/>
+          </a:prstGeom>
+          <a:noFill/>
+          <a:extLst>
+            <a:ext uri="{909E8E84-426E-40DD-AFC4-6F175D3DCCD1}">
+              <a14:hiddenFill xmlns:a14="http://schemas.microsoft.com/office/drawing/2010/main">
+                <a:solidFill>
+                  <a:srgbClr val="FFFFFF"/>
+                </a:solidFill>
+              </a14:hiddenFill>
+            </a:ext>
+          </a:extLst>
+        </p:spPr>
+      </p:pic>
+      <p:pic>
+        <p:nvPicPr>
+          <p:cNvPr id="47" name="Picture 14" descr="How to Change or Upgrade an EC2 Instance Type | Logicata">
+            <a:extLst>
+              <a:ext uri="{FF2B5EF4-FFF2-40B4-BE49-F238E27FC236}">
+                <a16:creationId xmlns:a16="http://schemas.microsoft.com/office/drawing/2014/main" id="{1B400CCB-F24C-45EC-DFE5-4DE801C7FDFB}"/>
+              </a:ext>
+            </a:extLst>
+          </p:cNvPr>
+          <p:cNvPicPr>
+            <a:picLocks noChangeAspect="1" noChangeArrowheads="1"/>
+          </p:cNvPicPr>
+          <p:nvPr/>
+        </p:nvPicPr>
+        <p:blipFill>
+          <a:blip r:embed="rId6">
+            <a:extLst>
+              <a:ext uri="{28A0092B-C50C-407E-A947-70E740481C1C}">
+                <a14:useLocalDpi xmlns:a14="http://schemas.microsoft.com/office/drawing/2010/main" val="0"/>
+              </a:ext>
+            </a:extLst>
+          </a:blip>
+          <a:srcRect/>
+          <a:stretch>
+            <a:fillRect/>
+          </a:stretch>
+        </p:blipFill>
+        <p:spPr bwMode="auto">
+          <a:xfrm>
+            <a:off x="8875615" y="3213550"/>
+            <a:ext cx="542029" cy="542029"/>
+          </a:xfrm>
+          <a:prstGeom prst="rect">
+            <a:avLst/>
+          </a:prstGeom>
+          <a:noFill/>
+          <a:extLst>
+            <a:ext uri="{909E8E84-426E-40DD-AFC4-6F175D3DCCD1}">
+              <a14:hiddenFill xmlns:a14="http://schemas.microsoft.com/office/drawing/2010/main">
+                <a:solidFill>
+                  <a:srgbClr val="FFFFFF"/>
+                </a:solidFill>
+              </a14:hiddenFill>
+            </a:ext>
+          </a:extLst>
+        </p:spPr>
+      </p:pic>
+      <p:pic>
+        <p:nvPicPr>
+          <p:cNvPr id="1040" name="Picture 16">
+            <a:extLst>
+              <a:ext uri="{FF2B5EF4-FFF2-40B4-BE49-F238E27FC236}">
+                <a16:creationId xmlns:a16="http://schemas.microsoft.com/office/drawing/2014/main" id="{8D9760CE-4CBE-6E0C-23B6-0B4B539F4087}"/>
+              </a:ext>
+            </a:extLst>
+          </p:cNvPr>
+          <p:cNvPicPr>
+            <a:picLocks noChangeAspect="1" noChangeArrowheads="1"/>
+          </p:cNvPicPr>
+          <p:nvPr/>
+        </p:nvPicPr>
+        <p:blipFill>
+          <a:blip r:embed="rId7">
+            <a:extLst>
+              <a:ext uri="{28A0092B-C50C-407E-A947-70E740481C1C}">
+                <a14:useLocalDpi xmlns:a14="http://schemas.microsoft.com/office/drawing/2010/main" val="0"/>
+              </a:ext>
+            </a:extLst>
+          </a:blip>
+          <a:srcRect/>
+          <a:stretch>
+            <a:fillRect/>
+          </a:stretch>
+        </p:blipFill>
+        <p:spPr bwMode="auto">
+          <a:xfrm>
+            <a:off x="5822635" y="3163416"/>
+            <a:ext cx="642296" cy="642296"/>
+          </a:xfrm>
+          <a:prstGeom prst="rect">
+            <a:avLst/>
+          </a:prstGeom>
+          <a:noFill/>
+          <a:extLst>
+            <a:ext uri="{909E8E84-426E-40DD-AFC4-6F175D3DCCD1}">
+              <a14:hiddenFill xmlns:a14="http://schemas.microsoft.com/office/drawing/2010/main">
+                <a:solidFill>
+                  <a:srgbClr val="FFFFFF"/>
+                </a:solidFill>
+              </a14:hiddenFill>
+            </a:ext>
+          </a:extLst>
+        </p:spPr>
+      </p:pic>
+      <p:cxnSp>
+        <p:nvCxnSpPr>
+          <p:cNvPr id="49" name="Straight Arrow Connector 48">
+            <a:extLst>
+              <a:ext uri="{FF2B5EF4-FFF2-40B4-BE49-F238E27FC236}">
+                <a16:creationId xmlns:a16="http://schemas.microsoft.com/office/drawing/2014/main" id="{EF684C5D-3805-A695-616A-9CAEA0E7B4A3}"/>
+              </a:ext>
+            </a:extLst>
+          </p:cNvPr>
+          <p:cNvCxnSpPr>
+            <a:stCxn id="1040" idx="1"/>
+            <a:endCxn id="1038" idx="3"/>
+          </p:cNvCxnSpPr>
+          <p:nvPr/>
+        </p:nvCxnSpPr>
+        <p:spPr>
+          <a:xfrm flipH="1">
+            <a:off x="3317532" y="3484564"/>
+            <a:ext cx="2505103" cy="1"/>
+          </a:xfrm>
+          <a:prstGeom prst="straightConnector1">
+            <a:avLst/>
+          </a:prstGeom>
+          <a:ln>
+            <a:tailEnd type="triangle"/>
+          </a:ln>
+        </p:spPr>
+        <p:style>
+          <a:lnRef idx="1">
+            <a:schemeClr val="accent3"/>
+          </a:lnRef>
+          <a:fillRef idx="0">
+            <a:schemeClr val="accent3"/>
+          </a:fillRef>
+          <a:effectRef idx="0">
+            <a:schemeClr val="accent3"/>
+          </a:effectRef>
+          <a:fontRef idx="minor">
+            <a:schemeClr val="tx1"/>
+          </a:fontRef>
+        </p:style>
+      </p:cxnSp>
+      <p:cxnSp>
+        <p:nvCxnSpPr>
+          <p:cNvPr id="52" name="Straight Arrow Connector 51">
+            <a:extLst>
+              <a:ext uri="{FF2B5EF4-FFF2-40B4-BE49-F238E27FC236}">
+                <a16:creationId xmlns:a16="http://schemas.microsoft.com/office/drawing/2014/main" id="{3C6C7BF0-C471-8DB1-6470-04D97775B7CE}"/>
+              </a:ext>
+            </a:extLst>
+          </p:cNvPr>
+          <p:cNvCxnSpPr>
+            <a:stCxn id="1040" idx="3"/>
+            <a:endCxn id="47" idx="1"/>
+          </p:cNvCxnSpPr>
+          <p:nvPr/>
+        </p:nvCxnSpPr>
+        <p:spPr>
+          <a:xfrm>
+            <a:off x="6464931" y="3484564"/>
+            <a:ext cx="2410684" cy="1"/>
+          </a:xfrm>
+          <a:prstGeom prst="straightConnector1">
+            <a:avLst/>
+          </a:prstGeom>
+          <a:ln>
+            <a:tailEnd type="triangle"/>
+          </a:ln>
+        </p:spPr>
+        <p:style>
+          <a:lnRef idx="1">
+            <a:schemeClr val="accent3"/>
+          </a:lnRef>
+          <a:fillRef idx="0">
+            <a:schemeClr val="accent3"/>
+          </a:fillRef>
+          <a:effectRef idx="0">
+            <a:schemeClr val="accent3"/>
+          </a:effectRef>
+          <a:fontRef idx="minor">
+            <a:schemeClr val="tx1"/>
+          </a:fontRef>
+        </p:style>
+      </p:cxnSp>
+    </p:spTree>
+    <p:extLst>
+      <p:ext uri="{BB962C8B-B14F-4D97-AF65-F5344CB8AC3E}">
+        <p14:creationId xmlns:p14="http://schemas.microsoft.com/office/powerpoint/2010/main" val="2282690674"/>
+      </p:ext>
+    </p:extLst>
+  </p:cSld>
+  <p:clrMapOvr>
+    <a:masterClrMapping/>
+  </p:clrMapOvr>
+</p:sld>
+</file>
+
 <file path=ppt/theme/theme1.xml><?xml version="1.0" encoding="utf-8"?>
 <a:theme xmlns:a="http://schemas.openxmlformats.org/drawingml/2006/main" name="Office Theme">
   <a:themeElements>
